--- a/课件/地理/八下/七下总复习/8-1日本埃及/3.八年级总复习七下8-1日本8-2埃及课件导学案/八年级总复习七下8-1日本埃及 复习.pptx
+++ b/课件/地理/八下/七下总复习/8-1日本埃及/3.八年级总复习七下8-1日本8-2埃及课件导学案/八年级总复习七下8-1日本埃及 复习.pptx
@@ -25,7 +25,6 @@
     <p:sldId id="283" r:id="rId19"/>
     <p:sldId id="284" r:id="rId20"/>
     <p:sldId id="276" r:id="rId21"/>
-    <p:sldId id="282" r:id="rId22"/>
   </p:sldIdLst>
   <p:sldSz cx="12192000" cy="6858000"/>
   <p:notesSz cx="6858000" cy="9144000"/>
@@ -124,6 +123,22 @@
       </a:defRPr>
     </a:lvl9pPr>
   </p:defaultTextStyle>
+  <p:extLst>
+    <p:ext uri="{EFAFB233-063F-42B5-8137-9DF3F51BA10A}">
+      <p15:sldGuideLst xmlns:p15="http://schemas.microsoft.com/office/powerpoint/2012/main">
+        <p15:guide id="1" orient="horz" pos="2160">
+          <p15:clr>
+            <a:srgbClr val="A4A3A4"/>
+          </p15:clr>
+        </p15:guide>
+        <p15:guide id="2" pos="3840">
+          <p15:clr>
+            <a:srgbClr val="A4A3A4"/>
+          </p15:clr>
+        </p15:guide>
+      </p15:sldGuideLst>
+    </p:ext>
+  </p:extLst>
 </p:presentation>
 </file>
 
@@ -169,10 +184,9 @@
           </a:lstStyle>
           <a:p>
             <a:r>
-              <a:rPr lang="zh-CN" altLang="en-US" smtClean="0"/>
+              <a:rPr lang="zh-CN" altLang="en-US"/>
               <a:t>单击此处编辑母版标题样式</a:t>
             </a:r>
-            <a:endParaRPr lang="zh-CN" altLang="en-US"/>
           </a:p>
         </p:txBody>
       </p:sp>
@@ -234,10 +248,9 @@
           </a:lstStyle>
           <a:p>
             <a:r>
-              <a:rPr lang="zh-CN" altLang="en-US" smtClean="0"/>
+              <a:rPr lang="zh-CN" altLang="en-US"/>
               <a:t>单击此处编辑母版副标题样式</a:t>
             </a:r>
-            <a:endParaRPr lang="zh-CN" altLang="en-US"/>
           </a:p>
         </p:txBody>
       </p:sp>
@@ -259,7 +272,7 @@
             <a:fld id="{D997B5FA-0921-464F-AAE1-844C04324D75}" type="datetimeFigureOut">
               <a:rPr lang="zh-CN" altLang="en-US" smtClean="0"/>
               <a:pPr/>
-              <a:t>2020/2/21</a:t>
+              <a:t>2020/3/30</a:t>
             </a:fld>
             <a:endParaRPr lang="zh-CN" altLang="en-US"/>
           </a:p>
@@ -349,10 +362,9 @@
           <a:lstStyle/>
           <a:p>
             <a:r>
-              <a:rPr lang="zh-CN" altLang="en-US" smtClean="0"/>
+              <a:rPr lang="zh-CN" altLang="en-US"/>
               <a:t>单击此处编辑母版标题样式</a:t>
             </a:r>
-            <a:endParaRPr lang="zh-CN" altLang="en-US"/>
           </a:p>
         </p:txBody>
       </p:sp>
@@ -373,38 +385,37 @@
           <a:p>
             <a:pPr lvl="0"/>
             <a:r>
-              <a:rPr lang="zh-CN" altLang="en-US" smtClean="0"/>
+              <a:rPr lang="zh-CN" altLang="en-US"/>
               <a:t>单击此处编辑母版文本样式</a:t>
             </a:r>
           </a:p>
           <a:p>
             <a:pPr lvl="1"/>
             <a:r>
-              <a:rPr lang="zh-CN" altLang="en-US" smtClean="0"/>
+              <a:rPr lang="zh-CN" altLang="en-US"/>
               <a:t>第二级</a:t>
             </a:r>
           </a:p>
           <a:p>
             <a:pPr lvl="2"/>
             <a:r>
-              <a:rPr lang="zh-CN" altLang="en-US" smtClean="0"/>
+              <a:rPr lang="zh-CN" altLang="en-US"/>
               <a:t>第三级</a:t>
             </a:r>
           </a:p>
           <a:p>
             <a:pPr lvl="3"/>
             <a:r>
-              <a:rPr lang="zh-CN" altLang="en-US" smtClean="0"/>
+              <a:rPr lang="zh-CN" altLang="en-US"/>
               <a:t>第四级</a:t>
             </a:r>
           </a:p>
           <a:p>
             <a:pPr lvl="4"/>
             <a:r>
-              <a:rPr lang="zh-CN" altLang="en-US" smtClean="0"/>
+              <a:rPr lang="zh-CN" altLang="en-US"/>
               <a:t>第五级</a:t>
             </a:r>
-            <a:endParaRPr lang="zh-CN" altLang="en-US"/>
           </a:p>
         </p:txBody>
       </p:sp>
@@ -426,7 +437,7 @@
             <a:fld id="{D997B5FA-0921-464F-AAE1-844C04324D75}" type="datetimeFigureOut">
               <a:rPr lang="zh-CN" altLang="en-US" smtClean="0"/>
               <a:pPr/>
-              <a:t>2020/2/21</a:t>
+              <a:t>2020/3/30</a:t>
             </a:fld>
             <a:endParaRPr lang="zh-CN" altLang="en-US"/>
           </a:p>
@@ -521,10 +532,9 @@
           <a:lstStyle/>
           <a:p>
             <a:r>
-              <a:rPr lang="zh-CN" altLang="en-US" smtClean="0"/>
+              <a:rPr lang="zh-CN" altLang="en-US"/>
               <a:t>单击此处编辑母版标题样式</a:t>
             </a:r>
-            <a:endParaRPr lang="zh-CN" altLang="en-US"/>
           </a:p>
         </p:txBody>
       </p:sp>
@@ -550,38 +560,37 @@
           <a:p>
             <a:pPr lvl="0"/>
             <a:r>
-              <a:rPr lang="zh-CN" altLang="en-US" smtClean="0"/>
+              <a:rPr lang="zh-CN" altLang="en-US"/>
               <a:t>单击此处编辑母版文本样式</a:t>
             </a:r>
           </a:p>
           <a:p>
             <a:pPr lvl="1"/>
             <a:r>
-              <a:rPr lang="zh-CN" altLang="en-US" smtClean="0"/>
+              <a:rPr lang="zh-CN" altLang="en-US"/>
               <a:t>第二级</a:t>
             </a:r>
           </a:p>
           <a:p>
             <a:pPr lvl="2"/>
             <a:r>
-              <a:rPr lang="zh-CN" altLang="en-US" smtClean="0"/>
+              <a:rPr lang="zh-CN" altLang="en-US"/>
               <a:t>第三级</a:t>
             </a:r>
           </a:p>
           <a:p>
             <a:pPr lvl="3"/>
             <a:r>
-              <a:rPr lang="zh-CN" altLang="en-US" smtClean="0"/>
+              <a:rPr lang="zh-CN" altLang="en-US"/>
               <a:t>第四级</a:t>
             </a:r>
           </a:p>
           <a:p>
             <a:pPr lvl="4"/>
             <a:r>
-              <a:rPr lang="zh-CN" altLang="en-US" smtClean="0"/>
+              <a:rPr lang="zh-CN" altLang="en-US"/>
               <a:t>第五级</a:t>
             </a:r>
-            <a:endParaRPr lang="zh-CN" altLang="en-US"/>
           </a:p>
         </p:txBody>
       </p:sp>
@@ -603,7 +612,7 @@
             <a:fld id="{D997B5FA-0921-464F-AAE1-844C04324D75}" type="datetimeFigureOut">
               <a:rPr lang="zh-CN" altLang="en-US" smtClean="0"/>
               <a:pPr/>
-              <a:t>2020/2/21</a:t>
+              <a:t>2020/3/30</a:t>
             </a:fld>
             <a:endParaRPr lang="zh-CN" altLang="en-US"/>
           </a:p>
@@ -693,10 +702,9 @@
           <a:lstStyle/>
           <a:p>
             <a:r>
-              <a:rPr lang="zh-CN" altLang="en-US" smtClean="0"/>
+              <a:rPr lang="zh-CN" altLang="en-US"/>
               <a:t>单击此处编辑母版标题样式</a:t>
             </a:r>
-            <a:endParaRPr lang="zh-CN" altLang="en-US"/>
           </a:p>
         </p:txBody>
       </p:sp>
@@ -717,38 +725,37 @@
           <a:p>
             <a:pPr lvl="0"/>
             <a:r>
-              <a:rPr lang="zh-CN" altLang="en-US" smtClean="0"/>
+              <a:rPr lang="zh-CN" altLang="en-US"/>
               <a:t>单击此处编辑母版文本样式</a:t>
             </a:r>
           </a:p>
           <a:p>
             <a:pPr lvl="1"/>
             <a:r>
-              <a:rPr lang="zh-CN" altLang="en-US" smtClean="0"/>
+              <a:rPr lang="zh-CN" altLang="en-US"/>
               <a:t>第二级</a:t>
             </a:r>
           </a:p>
           <a:p>
             <a:pPr lvl="2"/>
             <a:r>
-              <a:rPr lang="zh-CN" altLang="en-US" smtClean="0"/>
+              <a:rPr lang="zh-CN" altLang="en-US"/>
               <a:t>第三级</a:t>
             </a:r>
           </a:p>
           <a:p>
             <a:pPr lvl="3"/>
             <a:r>
-              <a:rPr lang="zh-CN" altLang="en-US" smtClean="0"/>
+              <a:rPr lang="zh-CN" altLang="en-US"/>
               <a:t>第四级</a:t>
             </a:r>
           </a:p>
           <a:p>
             <a:pPr lvl="4"/>
             <a:r>
-              <a:rPr lang="zh-CN" altLang="en-US" smtClean="0"/>
+              <a:rPr lang="zh-CN" altLang="en-US"/>
               <a:t>第五级</a:t>
             </a:r>
-            <a:endParaRPr lang="zh-CN" altLang="en-US"/>
           </a:p>
         </p:txBody>
       </p:sp>
@@ -770,7 +777,7 @@
             <a:fld id="{D997B5FA-0921-464F-AAE1-844C04324D75}" type="datetimeFigureOut">
               <a:rPr lang="zh-CN" altLang="en-US" smtClean="0"/>
               <a:pPr/>
-              <a:t>2020/2/21</a:t>
+              <a:t>2020/3/30</a:t>
             </a:fld>
             <a:endParaRPr lang="zh-CN" altLang="en-US"/>
           </a:p>
@@ -869,10 +876,9 @@
           </a:lstStyle>
           <a:p>
             <a:r>
-              <a:rPr lang="zh-CN" altLang="en-US" smtClean="0"/>
+              <a:rPr lang="zh-CN" altLang="en-US"/>
               <a:t>单击此处编辑母版标题样式</a:t>
             </a:r>
-            <a:endParaRPr lang="zh-CN" altLang="en-US"/>
           </a:p>
         </p:txBody>
       </p:sp>
@@ -989,7 +995,7 @@
           <a:p>
             <a:pPr lvl="0"/>
             <a:r>
-              <a:rPr lang="zh-CN" altLang="en-US" smtClean="0"/>
+              <a:rPr lang="zh-CN" altLang="en-US"/>
               <a:t>单击此处编辑母版文本样式</a:t>
             </a:r>
           </a:p>
@@ -1013,7 +1019,7 @@
             <a:fld id="{D997B5FA-0921-464F-AAE1-844C04324D75}" type="datetimeFigureOut">
               <a:rPr lang="zh-CN" altLang="en-US" smtClean="0"/>
               <a:pPr/>
-              <a:t>2020/2/21</a:t>
+              <a:t>2020/3/30</a:t>
             </a:fld>
             <a:endParaRPr lang="zh-CN" altLang="en-US"/>
           </a:p>
@@ -1103,10 +1109,9 @@
           <a:lstStyle/>
           <a:p>
             <a:r>
-              <a:rPr lang="zh-CN" altLang="en-US" smtClean="0"/>
+              <a:rPr lang="zh-CN" altLang="en-US"/>
               <a:t>单击此处编辑母版标题样式</a:t>
             </a:r>
-            <a:endParaRPr lang="zh-CN" altLang="en-US"/>
           </a:p>
         </p:txBody>
       </p:sp>
@@ -1132,38 +1137,37 @@
           <a:p>
             <a:pPr lvl="0"/>
             <a:r>
-              <a:rPr lang="zh-CN" altLang="en-US" smtClean="0"/>
+              <a:rPr lang="zh-CN" altLang="en-US"/>
               <a:t>单击此处编辑母版文本样式</a:t>
             </a:r>
           </a:p>
           <a:p>
             <a:pPr lvl="1"/>
             <a:r>
-              <a:rPr lang="zh-CN" altLang="en-US" smtClean="0"/>
+              <a:rPr lang="zh-CN" altLang="en-US"/>
               <a:t>第二级</a:t>
             </a:r>
           </a:p>
           <a:p>
             <a:pPr lvl="2"/>
             <a:r>
-              <a:rPr lang="zh-CN" altLang="en-US" smtClean="0"/>
+              <a:rPr lang="zh-CN" altLang="en-US"/>
               <a:t>第三级</a:t>
             </a:r>
           </a:p>
           <a:p>
             <a:pPr lvl="3"/>
             <a:r>
-              <a:rPr lang="zh-CN" altLang="en-US" smtClean="0"/>
+              <a:rPr lang="zh-CN" altLang="en-US"/>
               <a:t>第四级</a:t>
             </a:r>
           </a:p>
           <a:p>
             <a:pPr lvl="4"/>
             <a:r>
-              <a:rPr lang="zh-CN" altLang="en-US" smtClean="0"/>
+              <a:rPr lang="zh-CN" altLang="en-US"/>
               <a:t>第五级</a:t>
             </a:r>
-            <a:endParaRPr lang="zh-CN" altLang="en-US"/>
           </a:p>
         </p:txBody>
       </p:sp>
@@ -1189,38 +1193,37 @@
           <a:p>
             <a:pPr lvl="0"/>
             <a:r>
-              <a:rPr lang="zh-CN" altLang="en-US" smtClean="0"/>
+              <a:rPr lang="zh-CN" altLang="en-US"/>
               <a:t>单击此处编辑母版文本样式</a:t>
             </a:r>
           </a:p>
           <a:p>
             <a:pPr lvl="1"/>
             <a:r>
-              <a:rPr lang="zh-CN" altLang="en-US" smtClean="0"/>
+              <a:rPr lang="zh-CN" altLang="en-US"/>
               <a:t>第二级</a:t>
             </a:r>
           </a:p>
           <a:p>
             <a:pPr lvl="2"/>
             <a:r>
-              <a:rPr lang="zh-CN" altLang="en-US" smtClean="0"/>
+              <a:rPr lang="zh-CN" altLang="en-US"/>
               <a:t>第三级</a:t>
             </a:r>
           </a:p>
           <a:p>
             <a:pPr lvl="3"/>
             <a:r>
-              <a:rPr lang="zh-CN" altLang="en-US" smtClean="0"/>
+              <a:rPr lang="zh-CN" altLang="en-US"/>
               <a:t>第四级</a:t>
             </a:r>
           </a:p>
           <a:p>
             <a:pPr lvl="4"/>
             <a:r>
-              <a:rPr lang="zh-CN" altLang="en-US" smtClean="0"/>
+              <a:rPr lang="zh-CN" altLang="en-US"/>
               <a:t>第五级</a:t>
             </a:r>
-            <a:endParaRPr lang="zh-CN" altLang="en-US"/>
           </a:p>
         </p:txBody>
       </p:sp>
@@ -1242,7 +1245,7 @@
             <a:fld id="{D997B5FA-0921-464F-AAE1-844C04324D75}" type="datetimeFigureOut">
               <a:rPr lang="zh-CN" altLang="en-US" smtClean="0"/>
               <a:pPr/>
-              <a:t>2020/2/21</a:t>
+              <a:t>2020/3/30</a:t>
             </a:fld>
             <a:endParaRPr lang="zh-CN" altLang="en-US"/>
           </a:p>
@@ -1337,10 +1340,9 @@
           <a:lstStyle/>
           <a:p>
             <a:r>
-              <a:rPr lang="zh-CN" altLang="en-US" smtClean="0"/>
+              <a:rPr lang="zh-CN" altLang="en-US"/>
               <a:t>单击此处编辑母版标题样式</a:t>
             </a:r>
-            <a:endParaRPr lang="zh-CN" altLang="en-US"/>
           </a:p>
         </p:txBody>
       </p:sp>
@@ -1403,7 +1405,7 @@
           <a:p>
             <a:pPr lvl="0"/>
             <a:r>
-              <a:rPr lang="zh-CN" altLang="en-US" smtClean="0"/>
+              <a:rPr lang="zh-CN" altLang="en-US"/>
               <a:t>单击此处编辑母版文本样式</a:t>
             </a:r>
           </a:p>
@@ -1431,38 +1433,37 @@
           <a:p>
             <a:pPr lvl="0"/>
             <a:r>
-              <a:rPr lang="zh-CN" altLang="en-US" smtClean="0"/>
+              <a:rPr lang="zh-CN" altLang="en-US"/>
               <a:t>单击此处编辑母版文本样式</a:t>
             </a:r>
           </a:p>
           <a:p>
             <a:pPr lvl="1"/>
             <a:r>
-              <a:rPr lang="zh-CN" altLang="en-US" smtClean="0"/>
+              <a:rPr lang="zh-CN" altLang="en-US"/>
               <a:t>第二级</a:t>
             </a:r>
           </a:p>
           <a:p>
             <a:pPr lvl="2"/>
             <a:r>
-              <a:rPr lang="zh-CN" altLang="en-US" smtClean="0"/>
+              <a:rPr lang="zh-CN" altLang="en-US"/>
               <a:t>第三级</a:t>
             </a:r>
           </a:p>
           <a:p>
             <a:pPr lvl="3"/>
             <a:r>
-              <a:rPr lang="zh-CN" altLang="en-US" smtClean="0"/>
+              <a:rPr lang="zh-CN" altLang="en-US"/>
               <a:t>第四级</a:t>
             </a:r>
           </a:p>
           <a:p>
             <a:pPr lvl="4"/>
             <a:r>
-              <a:rPr lang="zh-CN" altLang="en-US" smtClean="0"/>
+              <a:rPr lang="zh-CN" altLang="en-US"/>
               <a:t>第五级</a:t>
             </a:r>
-            <a:endParaRPr lang="zh-CN" altLang="en-US"/>
           </a:p>
         </p:txBody>
       </p:sp>
@@ -1525,7 +1526,7 @@
           <a:p>
             <a:pPr lvl="0"/>
             <a:r>
-              <a:rPr lang="zh-CN" altLang="en-US" smtClean="0"/>
+              <a:rPr lang="zh-CN" altLang="en-US"/>
               <a:t>单击此处编辑母版文本样式</a:t>
             </a:r>
           </a:p>
@@ -1553,38 +1554,37 @@
           <a:p>
             <a:pPr lvl="0"/>
             <a:r>
-              <a:rPr lang="zh-CN" altLang="en-US" smtClean="0"/>
+              <a:rPr lang="zh-CN" altLang="en-US"/>
               <a:t>单击此处编辑母版文本样式</a:t>
             </a:r>
           </a:p>
           <a:p>
             <a:pPr lvl="1"/>
             <a:r>
-              <a:rPr lang="zh-CN" altLang="en-US" smtClean="0"/>
+              <a:rPr lang="zh-CN" altLang="en-US"/>
               <a:t>第二级</a:t>
             </a:r>
           </a:p>
           <a:p>
             <a:pPr lvl="2"/>
             <a:r>
-              <a:rPr lang="zh-CN" altLang="en-US" smtClean="0"/>
+              <a:rPr lang="zh-CN" altLang="en-US"/>
               <a:t>第三级</a:t>
             </a:r>
           </a:p>
           <a:p>
             <a:pPr lvl="3"/>
             <a:r>
-              <a:rPr lang="zh-CN" altLang="en-US" smtClean="0"/>
+              <a:rPr lang="zh-CN" altLang="en-US"/>
               <a:t>第四级</a:t>
             </a:r>
           </a:p>
           <a:p>
             <a:pPr lvl="4"/>
             <a:r>
-              <a:rPr lang="zh-CN" altLang="en-US" smtClean="0"/>
+              <a:rPr lang="zh-CN" altLang="en-US"/>
               <a:t>第五级</a:t>
             </a:r>
-            <a:endParaRPr lang="zh-CN" altLang="en-US"/>
           </a:p>
         </p:txBody>
       </p:sp>
@@ -1606,7 +1606,7 @@
             <a:fld id="{D997B5FA-0921-464F-AAE1-844C04324D75}" type="datetimeFigureOut">
               <a:rPr lang="zh-CN" altLang="en-US" smtClean="0"/>
               <a:pPr/>
-              <a:t>2020/2/21</a:t>
+              <a:t>2020/3/30</a:t>
             </a:fld>
             <a:endParaRPr lang="zh-CN" altLang="en-US"/>
           </a:p>
@@ -1696,10 +1696,9 @@
           <a:lstStyle/>
           <a:p>
             <a:r>
-              <a:rPr lang="zh-CN" altLang="en-US" smtClean="0"/>
+              <a:rPr lang="zh-CN" altLang="en-US"/>
               <a:t>单击此处编辑母版标题样式</a:t>
             </a:r>
-            <a:endParaRPr lang="zh-CN" altLang="en-US"/>
           </a:p>
         </p:txBody>
       </p:sp>
@@ -1721,7 +1720,7 @@
             <a:fld id="{D997B5FA-0921-464F-AAE1-844C04324D75}" type="datetimeFigureOut">
               <a:rPr lang="zh-CN" altLang="en-US" smtClean="0"/>
               <a:pPr/>
-              <a:t>2020/2/21</a:t>
+              <a:t>2020/3/30</a:t>
             </a:fld>
             <a:endParaRPr lang="zh-CN" altLang="en-US"/>
           </a:p>
@@ -1813,7 +1812,7 @@
             <a:fld id="{D997B5FA-0921-464F-AAE1-844C04324D75}" type="datetimeFigureOut">
               <a:rPr lang="zh-CN" altLang="en-US" smtClean="0"/>
               <a:pPr/>
-              <a:t>2020/2/21</a:t>
+              <a:t>2020/3/30</a:t>
             </a:fld>
             <a:endParaRPr lang="zh-CN" altLang="en-US"/>
           </a:p>
@@ -1912,10 +1911,9 @@
           </a:lstStyle>
           <a:p>
             <a:r>
-              <a:rPr lang="zh-CN" altLang="en-US" smtClean="0"/>
+              <a:rPr lang="zh-CN" altLang="en-US"/>
               <a:t>单击此处编辑母版标题样式</a:t>
             </a:r>
-            <a:endParaRPr lang="zh-CN" altLang="en-US"/>
           </a:p>
         </p:txBody>
       </p:sp>
@@ -1969,38 +1967,37 @@
           <a:p>
             <a:pPr lvl="0"/>
             <a:r>
-              <a:rPr lang="zh-CN" altLang="en-US" smtClean="0"/>
+              <a:rPr lang="zh-CN" altLang="en-US"/>
               <a:t>单击此处编辑母版文本样式</a:t>
             </a:r>
           </a:p>
           <a:p>
             <a:pPr lvl="1"/>
             <a:r>
-              <a:rPr lang="zh-CN" altLang="en-US" smtClean="0"/>
+              <a:rPr lang="zh-CN" altLang="en-US"/>
               <a:t>第二级</a:t>
             </a:r>
           </a:p>
           <a:p>
             <a:pPr lvl="2"/>
             <a:r>
-              <a:rPr lang="zh-CN" altLang="en-US" smtClean="0"/>
+              <a:rPr lang="zh-CN" altLang="en-US"/>
               <a:t>第三级</a:t>
             </a:r>
           </a:p>
           <a:p>
             <a:pPr lvl="3"/>
             <a:r>
-              <a:rPr lang="zh-CN" altLang="en-US" smtClean="0"/>
+              <a:rPr lang="zh-CN" altLang="en-US"/>
               <a:t>第四级</a:t>
             </a:r>
           </a:p>
           <a:p>
             <a:pPr lvl="4"/>
             <a:r>
-              <a:rPr lang="zh-CN" altLang="en-US" smtClean="0"/>
+              <a:rPr lang="zh-CN" altLang="en-US"/>
               <a:t>第五级</a:t>
             </a:r>
-            <a:endParaRPr lang="zh-CN" altLang="en-US"/>
           </a:p>
         </p:txBody>
       </p:sp>
@@ -2063,7 +2060,7 @@
           <a:p>
             <a:pPr lvl="0"/>
             <a:r>
-              <a:rPr lang="zh-CN" altLang="en-US" smtClean="0"/>
+              <a:rPr lang="zh-CN" altLang="en-US"/>
               <a:t>单击此处编辑母版文本样式</a:t>
             </a:r>
           </a:p>
@@ -2087,7 +2084,7 @@
             <a:fld id="{D997B5FA-0921-464F-AAE1-844C04324D75}" type="datetimeFigureOut">
               <a:rPr lang="zh-CN" altLang="en-US" smtClean="0"/>
               <a:pPr/>
-              <a:t>2020/2/21</a:t>
+              <a:t>2020/3/30</a:t>
             </a:fld>
             <a:endParaRPr lang="zh-CN" altLang="en-US"/>
           </a:p>
@@ -2186,10 +2183,9 @@
           </a:lstStyle>
           <a:p>
             <a:r>
-              <a:rPr lang="zh-CN" altLang="en-US" smtClean="0"/>
+              <a:rPr lang="zh-CN" altLang="en-US"/>
               <a:t>单击此处编辑母版标题样式</a:t>
             </a:r>
-            <a:endParaRPr lang="zh-CN" altLang="en-US"/>
           </a:p>
         </p:txBody>
       </p:sp>
@@ -2313,7 +2309,7 @@
           <a:p>
             <a:pPr lvl="0"/>
             <a:r>
-              <a:rPr lang="zh-CN" altLang="en-US" smtClean="0"/>
+              <a:rPr lang="zh-CN" altLang="en-US"/>
               <a:t>单击此处编辑母版文本样式</a:t>
             </a:r>
           </a:p>
@@ -2337,7 +2333,7 @@
             <a:fld id="{D997B5FA-0921-464F-AAE1-844C04324D75}" type="datetimeFigureOut">
               <a:rPr lang="zh-CN" altLang="en-US" smtClean="0"/>
               <a:pPr/>
-              <a:t>2020/2/21</a:t>
+              <a:t>2020/3/30</a:t>
             </a:fld>
             <a:endParaRPr lang="zh-CN" altLang="en-US"/>
           </a:p>
@@ -2442,10 +2438,9 @@
           <a:lstStyle/>
           <a:p>
             <a:r>
-              <a:rPr lang="zh-CN" altLang="en-US" smtClean="0"/>
+              <a:rPr lang="zh-CN" altLang="en-US"/>
               <a:t>单击此处编辑母版标题样式</a:t>
             </a:r>
-            <a:endParaRPr lang="zh-CN" altLang="en-US"/>
           </a:p>
         </p:txBody>
       </p:sp>
@@ -2476,38 +2471,37 @@
           <a:p>
             <a:pPr lvl="0"/>
             <a:r>
-              <a:rPr lang="zh-CN" altLang="en-US" smtClean="0"/>
+              <a:rPr lang="zh-CN" altLang="en-US"/>
               <a:t>单击此处编辑母版文本样式</a:t>
             </a:r>
           </a:p>
           <a:p>
             <a:pPr lvl="1"/>
             <a:r>
-              <a:rPr lang="zh-CN" altLang="en-US" smtClean="0"/>
+              <a:rPr lang="zh-CN" altLang="en-US"/>
               <a:t>第二级</a:t>
             </a:r>
           </a:p>
           <a:p>
             <a:pPr lvl="2"/>
             <a:r>
-              <a:rPr lang="zh-CN" altLang="en-US" smtClean="0"/>
+              <a:rPr lang="zh-CN" altLang="en-US"/>
               <a:t>第三级</a:t>
             </a:r>
           </a:p>
           <a:p>
             <a:pPr lvl="3"/>
             <a:r>
-              <a:rPr lang="zh-CN" altLang="en-US" smtClean="0"/>
+              <a:rPr lang="zh-CN" altLang="en-US"/>
               <a:t>第四级</a:t>
             </a:r>
           </a:p>
           <a:p>
             <a:pPr lvl="4"/>
             <a:r>
-              <a:rPr lang="zh-CN" altLang="en-US" smtClean="0"/>
+              <a:rPr lang="zh-CN" altLang="en-US"/>
               <a:t>第五级</a:t>
             </a:r>
-            <a:endParaRPr lang="zh-CN" altLang="en-US"/>
           </a:p>
         </p:txBody>
       </p:sp>
@@ -2547,7 +2541,7 @@
             <a:fld id="{D997B5FA-0921-464F-AAE1-844C04324D75}" type="datetimeFigureOut">
               <a:rPr lang="zh-CN" altLang="en-US" smtClean="0"/>
               <a:pPr/>
-              <a:t>2020/2/21</a:t>
+              <a:t>2020/3/30</a:t>
             </a:fld>
             <a:endParaRPr lang="zh-CN" altLang="en-US"/>
           </a:p>
@@ -2991,7 +2985,7 @@
         </p:nvSpPr>
         <p:spPr>
           <a:xfrm>
-            <a:off x="1600200" y="3022918"/>
+            <a:off x="1653466" y="3750887"/>
             <a:ext cx="9144000" cy="1655762"/>
           </a:xfrm>
         </p:spPr>
@@ -3003,44 +2997,6 @@
               <a:rPr lang="zh-CN" altLang="en-US" sz="6600" b="1" dirty="0"/>
               <a:t>复习</a:t>
             </a:r>
-          </a:p>
-        </p:txBody>
-      </p:sp>
-      <p:sp>
-        <p:nvSpPr>
-          <p:cNvPr id="4" name="TextBox 3"/>
-          <p:cNvSpPr txBox="1"/>
-          <p:nvPr/>
-        </p:nvSpPr>
-        <p:spPr>
-          <a:xfrm>
-            <a:off x="4358640" y="4419600"/>
-            <a:ext cx="5074920" cy="646331"/>
-          </a:xfrm>
-          <a:prstGeom prst="rect">
-            <a:avLst/>
-          </a:prstGeom>
-          <a:noFill/>
-        </p:spPr>
-        <p:txBody>
-          <a:bodyPr wrap="square" rtlCol="0">
-            <a:spAutoFit/>
-          </a:bodyPr>
-          <a:lstStyle/>
-          <a:p>
-            <a:r>
-              <a:rPr lang="zh-CN" altLang="en-US" sz="3600" b="1" dirty="0" smtClean="0"/>
-              <a:t>青岛</a:t>
-            </a:r>
-            <a:r>
-              <a:rPr lang="en-US" altLang="zh-CN" sz="3600" b="1" dirty="0" smtClean="0"/>
-              <a:t>62</a:t>
-            </a:r>
-            <a:r>
-              <a:rPr lang="zh-CN" altLang="en-US" sz="3600" b="1" dirty="0" smtClean="0"/>
-              <a:t>中地理组</a:t>
-            </a:r>
-            <a:endParaRPr lang="zh-CN" altLang="en-US" sz="3600" b="1" dirty="0"/>
           </a:p>
         </p:txBody>
       </p:sp>
@@ -3049,13 +3005,6 @@
   <p:clrMapOvr>
     <a:masterClrMapping/>
   </p:clrMapOvr>
-  <p:timing>
-    <p:tnLst>
-      <p:par>
-        <p:cTn id="1" dur="indefinite" restart="never" nodeType="tmRoot"/>
-      </p:par>
-    </p:tnLst>
-  </p:timing>
 </p:sld>
 </file>
 
@@ -3141,7 +3090,7 @@
               </a:lnSpc>
             </a:pPr>
             <a:r>
-              <a:rPr lang="zh-CN" altLang="en-US" sz="2400" b="1" dirty="0" smtClean="0">
+              <a:rPr lang="zh-CN" altLang="en-US" sz="2400" b="1" dirty="0">
                 <a:solidFill>
                   <a:srgbClr val="FF0000"/>
                 </a:solidFill>
@@ -3149,16 +3098,6 @@
                 <a:cs typeface="+mn-ea"/>
               </a:rPr>
               <a:t>（一）</a:t>
-            </a:r>
-            <a:r>
-              <a:rPr lang="zh-CN" sz="2400" b="1" dirty="0" smtClean="0">
-                <a:solidFill>
-                  <a:srgbClr val="FF0000"/>
-                </a:solidFill>
-                <a:latin typeface="+mn-ea"/>
-                <a:cs typeface="+mn-ea"/>
-              </a:rPr>
-              <a:t>工</a:t>
             </a:r>
             <a:r>
               <a:rPr lang="zh-CN" sz="2400" b="1" dirty="0">
@@ -3168,7 +3107,7 @@
                 <a:latin typeface="+mn-ea"/>
                 <a:cs typeface="+mn-ea"/>
               </a:rPr>
-              <a:t>业大国</a:t>
+              <a:t>工业大国</a:t>
             </a:r>
           </a:p>
           <a:p>
@@ -3924,25 +3863,18 @@
               </a:lnSpc>
             </a:pPr>
             <a:r>
-              <a:rPr lang="zh-CN" altLang="en-US" sz="2400" b="1" dirty="0" smtClean="0">
+              <a:rPr lang="zh-CN" altLang="en-US" sz="2400" b="1" dirty="0">
                 <a:latin typeface="+mn-ea"/>
                 <a:cs typeface="+mn-ea"/>
               </a:rPr>
               <a:t>（二）</a:t>
             </a:r>
             <a:r>
-              <a:rPr lang="zh-CN" sz="2400" b="1" dirty="0" smtClean="0">
-                <a:latin typeface="+mn-ea"/>
-                <a:cs typeface="+mn-ea"/>
-              </a:rPr>
-              <a:t>农</a:t>
-            </a:r>
-            <a:r>
               <a:rPr lang="zh-CN" sz="2400" b="1" dirty="0">
                 <a:latin typeface="+mn-ea"/>
                 <a:cs typeface="+mn-ea"/>
               </a:rPr>
-              <a:t>业</a:t>
+              <a:t>农业</a:t>
             </a:r>
           </a:p>
           <a:p>
@@ -3991,69 +3923,48 @@
             </a:r>
           </a:p>
           <a:p>
-            <a:endParaRPr lang="en-US" altLang="zh-CN" sz="2400" b="1" dirty="0" smtClean="0">
+            <a:endParaRPr lang="en-US" altLang="zh-CN" sz="2400" b="1" dirty="0">
               <a:latin typeface="+mn-ea"/>
               <a:cs typeface="+mn-ea"/>
             </a:endParaRPr>
           </a:p>
           <a:p>
             <a:r>
-              <a:rPr lang="zh-CN" sz="2400" b="1" dirty="0" smtClean="0">
-                <a:latin typeface="+mn-ea"/>
-                <a:cs typeface="+mn-ea"/>
-              </a:rPr>
-              <a:t>农</a:t>
-            </a:r>
-            <a:r>
               <a:rPr lang="zh-CN" sz="2400" b="1" dirty="0">
                 <a:latin typeface="+mn-ea"/>
                 <a:cs typeface="+mn-ea"/>
               </a:rPr>
-              <a:t>业发展的优势：科技水平高，机械化程度高，利用小型机械精耕细作。</a:t>
-            </a:r>
-          </a:p>
-          <a:p>
-            <a:endParaRPr lang="en-US" altLang="zh-CN" sz="2400" b="1" dirty="0" smtClean="0">
+              <a:t>农业发展的优势：科技水平高，机械化程度高，利用小型机械精耕细作。</a:t>
+            </a:r>
+          </a:p>
+          <a:p>
+            <a:endParaRPr lang="en-US" altLang="zh-CN" sz="2400" b="1" dirty="0">
               <a:latin typeface="+mn-ea"/>
               <a:cs typeface="+mn-ea"/>
             </a:endParaRPr>
           </a:p>
           <a:p>
             <a:r>
-              <a:rPr lang="zh-CN" sz="2400" b="1" dirty="0" smtClean="0">
-                <a:latin typeface="+mn-ea"/>
-                <a:cs typeface="+mn-ea"/>
-              </a:rPr>
-              <a:t>主</a:t>
-            </a:r>
-            <a:r>
               <a:rPr lang="zh-CN" sz="2400" b="1" dirty="0">
                 <a:latin typeface="+mn-ea"/>
                 <a:cs typeface="+mn-ea"/>
               </a:rPr>
-              <a:t>要农产品：稻米、茶叶、蔬菜、水果</a:t>
-            </a:r>
-          </a:p>
-          <a:p>
-            <a:endParaRPr lang="en-US" altLang="zh-CN" sz="2400" b="1" dirty="0" smtClean="0">
+              <a:t>主要农产品：稻米、茶叶、蔬菜、水果</a:t>
+            </a:r>
+          </a:p>
+          <a:p>
+            <a:endParaRPr lang="en-US" altLang="zh-CN" sz="2400" b="1" dirty="0">
               <a:latin typeface="+mn-ea"/>
               <a:cs typeface="+mn-ea"/>
             </a:endParaRPr>
           </a:p>
           <a:p>
             <a:r>
-              <a:rPr lang="zh-CN" sz="2400" b="1" dirty="0" smtClean="0">
-                <a:latin typeface="+mn-ea"/>
-                <a:cs typeface="+mn-ea"/>
-              </a:rPr>
-              <a:t>渔</a:t>
-            </a:r>
-            <a:r>
               <a:rPr lang="zh-CN" sz="2400" b="1" dirty="0">
                 <a:latin typeface="+mn-ea"/>
                 <a:cs typeface="+mn-ea"/>
               </a:rPr>
-              <a:t>业发达，著名渔场：</a:t>
+              <a:t>渔业发达，著名渔场：</a:t>
             </a:r>
             <a:r>
               <a:rPr lang="zh-CN" sz="2400" b="1" u="sng" dirty="0">
@@ -4080,13 +3991,6 @@
   <p:clrMapOvr>
     <a:masterClrMapping/>
   </p:clrMapOvr>
-  <p:timing>
-    <p:tnLst>
-      <p:par>
-        <p:cTn id="1" dur="indefinite" restart="never" nodeType="tmRoot"/>
-      </p:par>
-    </p:tnLst>
-  </p:timing>
 </p:sld>
 </file>
 
@@ -4404,7 +4308,7 @@
               </a:lnSpc>
             </a:pPr>
             <a:r>
-              <a:rPr lang="zh-CN" altLang="en-US" sz="2400" b="1" dirty="0" smtClean="0">
+              <a:rPr lang="zh-CN" altLang="en-US" sz="2400" b="1" dirty="0">
                 <a:solidFill>
                   <a:srgbClr val="FF0000"/>
                 </a:solidFill>
@@ -4412,16 +4316,6 @@
                 <a:cs typeface="+mn-ea"/>
               </a:rPr>
               <a:t>（三）</a:t>
-            </a:r>
-            <a:r>
-              <a:rPr lang="zh-CN" sz="2400" b="1" dirty="0" smtClean="0">
-                <a:solidFill>
-                  <a:srgbClr val="FF0000"/>
-                </a:solidFill>
-                <a:latin typeface="+mn-ea"/>
-                <a:cs typeface="+mn-ea"/>
-              </a:rPr>
-              <a:t>居</a:t>
             </a:r>
             <a:r>
               <a:rPr lang="zh-CN" sz="2400" b="1" dirty="0">
@@ -4431,7 +4325,7 @@
                 <a:latin typeface="+mn-ea"/>
                 <a:cs typeface="+mn-ea"/>
               </a:rPr>
-              <a:t>民</a:t>
+              <a:t>居民</a:t>
             </a:r>
           </a:p>
           <a:p>
@@ -4472,41 +4366,24 @@
                 <a:latin typeface="+mn-ea"/>
                 <a:cs typeface="+mn-ea"/>
               </a:rPr>
-              <a:t>地狭人</a:t>
-            </a:r>
-            <a:r>
-              <a:rPr lang="zh-CN" sz="2400" b="1" dirty="0" smtClean="0">
+              <a:t>地狭人稠</a:t>
+            </a:r>
+            <a:r>
+              <a:rPr lang="zh-CN" altLang="en-US" sz="2400" b="1" dirty="0">
                 <a:solidFill>
                   <a:srgbClr val="FF0000"/>
                 </a:solidFill>
                 <a:latin typeface="+mn-ea"/>
                 <a:cs typeface="+mn-ea"/>
               </a:rPr>
-              <a:t>稠</a:t>
-            </a:r>
-            <a:r>
-              <a:rPr lang="zh-CN" altLang="en-US" sz="2400" b="1" dirty="0" smtClean="0">
-                <a:solidFill>
-                  <a:srgbClr val="FF0000"/>
-                </a:solidFill>
-                <a:latin typeface="+mn-ea"/>
-                <a:cs typeface="+mn-ea"/>
-              </a:rPr>
               <a:t>。    </a:t>
             </a:r>
             <a:r>
-              <a:rPr lang="zh-CN" sz="2400" b="1" dirty="0" smtClean="0">
-                <a:latin typeface="+mn-ea"/>
-                <a:cs typeface="+mn-ea"/>
-              </a:rPr>
-              <a:t>民</a:t>
-            </a:r>
-            <a:r>
               <a:rPr lang="zh-CN" sz="2400" b="1" dirty="0">
                 <a:latin typeface="+mn-ea"/>
                 <a:cs typeface="+mn-ea"/>
               </a:rPr>
-              <a:t>族：</a:t>
+              <a:t>民族：</a:t>
             </a:r>
             <a:r>
               <a:rPr lang="zh-CN" sz="2400" b="1" dirty="0">
@@ -4516,41 +4393,24 @@
                 <a:latin typeface="+mn-ea"/>
                 <a:cs typeface="+mn-ea"/>
               </a:rPr>
-              <a:t>大和</a:t>
-            </a:r>
-            <a:r>
-              <a:rPr lang="zh-CN" sz="2400" b="1" dirty="0" smtClean="0">
+              <a:t>大和族</a:t>
+            </a:r>
+            <a:r>
+              <a:rPr lang="en-US" altLang="zh-CN" sz="2400" b="1" dirty="0">
                 <a:solidFill>
                   <a:srgbClr val="FF0000"/>
                 </a:solidFill>
                 <a:latin typeface="+mn-ea"/>
                 <a:cs typeface="+mn-ea"/>
               </a:rPr>
-              <a:t>族</a:t>
-            </a:r>
-            <a:r>
-              <a:rPr lang="en-US" altLang="zh-CN" sz="2400" b="1" dirty="0" smtClean="0">
-                <a:solidFill>
-                  <a:srgbClr val="FF0000"/>
-                </a:solidFill>
-                <a:latin typeface="+mn-ea"/>
-                <a:cs typeface="+mn-ea"/>
-              </a:rPr>
               <a:t>        </a:t>
             </a:r>
             <a:r>
-              <a:rPr lang="zh-CN" sz="2400" b="1" dirty="0" smtClean="0">
-                <a:latin typeface="+mn-ea"/>
-                <a:cs typeface="+mn-ea"/>
-              </a:rPr>
-              <a:t>传</a:t>
-            </a:r>
-            <a:r>
               <a:rPr lang="zh-CN" sz="2400" b="1" dirty="0">
                 <a:latin typeface="+mn-ea"/>
                 <a:cs typeface="+mn-ea"/>
               </a:rPr>
-              <a:t>统服装：</a:t>
+              <a:t>传统服装：</a:t>
             </a:r>
             <a:r>
               <a:rPr lang="zh-CN" sz="2400" b="1" dirty="0">
@@ -4644,35 +4504,23 @@
           <a:lstStyle/>
           <a:p>
             <a:r>
-              <a:rPr lang="zh-CN" altLang="zh-CN" sz="2800" dirty="0" smtClean="0"/>
-              <a:t>文</a:t>
-            </a:r>
-            <a:r>
-              <a:rPr lang="zh-CN" altLang="zh-CN" sz="2800" dirty="0" smtClean="0"/>
-              <a:t>化</a:t>
-            </a:r>
-            <a:r>
-              <a:rPr lang="zh-CN" altLang="en-US" sz="2800" dirty="0" smtClean="0"/>
+              <a:rPr lang="zh-CN" altLang="zh-CN" sz="2800" dirty="0"/>
+              <a:t>文化</a:t>
+            </a:r>
+            <a:r>
+              <a:rPr lang="zh-CN" altLang="en-US" sz="2800" dirty="0"/>
               <a:t>：</a:t>
             </a:r>
             <a:r>
-              <a:rPr lang="zh-CN" altLang="zh-CN" sz="2800" dirty="0" smtClean="0">
+              <a:rPr lang="zh-CN" altLang="zh-CN" sz="2800" dirty="0">
                 <a:solidFill>
                   <a:srgbClr val="FF0000"/>
                 </a:solidFill>
               </a:rPr>
-              <a:t>兼</a:t>
-            </a:r>
-            <a:r>
-              <a:rPr lang="zh-CN" altLang="zh-CN" sz="2800" dirty="0" smtClean="0">
-                <a:solidFill>
-                  <a:srgbClr val="FF0000"/>
-                </a:solidFill>
-              </a:rPr>
-              <a:t>有东西方融合的特点</a:t>
-            </a:r>
-            <a:r>
-              <a:rPr lang="zh-CN" altLang="zh-CN" sz="2800" dirty="0" smtClean="0"/>
+              <a:t>兼有东西方融合的特点</a:t>
+            </a:r>
+            <a:r>
+              <a:rPr lang="zh-CN" altLang="zh-CN" sz="2800" dirty="0"/>
               <a:t>。</a:t>
             </a:r>
             <a:endParaRPr lang="zh-CN" altLang="en-US" sz="2800" dirty="0"/>
@@ -4716,13 +4564,6 @@
   <p:clrMapOvr>
     <a:masterClrMapping/>
   </p:clrMapOvr>
-  <p:timing>
-    <p:tnLst>
-      <p:par>
-        <p:cTn id="1" dur="indefinite" restart="never" nodeType="tmRoot"/>
-      </p:par>
-    </p:tnLst>
-  </p:timing>
 </p:sld>
 </file>
 
@@ -4932,11 +4773,7 @@
             </a:r>
             <a:r>
               <a:rPr lang="zh-CN" altLang="en-US" sz="9600" b="1" u="sng" dirty="0"/>
-              <a:t>                           </a:t>
-            </a:r>
-            <a:r>
-              <a:rPr lang="zh-CN" altLang="en-US" sz="9600" b="1" u="sng" dirty="0" smtClean="0"/>
-              <a:t>   </a:t>
+              <a:t>                              </a:t>
             </a:r>
             <a:r>
               <a:rPr lang="zh-CN" altLang="en-US" sz="9600" b="1" dirty="0"/>
@@ -5314,21 +5151,8 @@
                   <a:srgbClr val="FF0000"/>
                 </a:solidFill>
               </a:rPr>
-              <a:t>亚历山</a:t>
-            </a:r>
-            <a:r>
-              <a:rPr lang="zh-CN" altLang="en-US" sz="2400" b="1" dirty="0" smtClean="0">
-                <a:solidFill>
-                  <a:srgbClr val="FF0000"/>
-                </a:solidFill>
-              </a:rPr>
-              <a:t>大</a:t>
-            </a:r>
-            <a:endParaRPr lang="zh-CN" altLang="en-US" sz="2400" b="1" dirty="0">
-              <a:solidFill>
-                <a:srgbClr val="FF0000"/>
-              </a:solidFill>
-            </a:endParaRPr>
+              <a:t>亚历山大</a:t>
+            </a:r>
           </a:p>
         </p:txBody>
       </p:sp>
@@ -5355,18 +5179,13 @@
           <a:lstStyle/>
           <a:p>
             <a:r>
-              <a:rPr lang="zh-CN" altLang="en-US" sz="3600" b="1" dirty="0" smtClean="0">
+              <a:rPr lang="zh-CN" altLang="en-US" sz="3600" b="1" dirty="0">
                 <a:solidFill>
                   <a:srgbClr val="FF0000"/>
                 </a:solidFill>
               </a:rPr>
               <a:t>第二节     埃及</a:t>
             </a:r>
-            <a:endParaRPr lang="zh-CN" altLang="en-US" sz="3600" b="1" dirty="0">
-              <a:solidFill>
-                <a:srgbClr val="FF0000"/>
-              </a:solidFill>
-            </a:endParaRPr>
           </a:p>
         </p:txBody>
       </p:sp>
@@ -6327,23 +6146,7 @@
                   <a:srgbClr val="FF0000"/>
                 </a:solidFill>
               </a:rPr>
-              <a:t>以赤道为轴</a:t>
-            </a:r>
-            <a:r>
-              <a:rPr lang="zh-CN" altLang="en-US" sz="2400" b="1" dirty="0" smtClean="0">
-                <a:solidFill>
-                  <a:srgbClr val="FF0000"/>
-                </a:solidFill>
-              </a:rPr>
-              <a:t>，南</a:t>
-            </a:r>
-            <a:r>
-              <a:rPr lang="zh-CN" altLang="en-US" sz="2400" b="1" dirty="0">
-                <a:solidFill>
-                  <a:srgbClr val="FF0000"/>
-                </a:solidFill>
-              </a:rPr>
-              <a:t>北对称分布</a:t>
+              <a:t>以赤道为轴，南北对称分布</a:t>
             </a:r>
           </a:p>
         </p:txBody>
@@ -6860,25 +6663,18 @@
               </a:lnSpc>
             </a:pPr>
             <a:r>
-              <a:rPr lang="en-US" altLang="zh-CN" sz="2400" b="1" dirty="0" smtClean="0">
+              <a:rPr lang="en-US" altLang="zh-CN" sz="2400" b="1" dirty="0">
                 <a:latin typeface="+mn-ea"/>
                 <a:cs typeface="+mn-ea"/>
               </a:rPr>
               <a:t>1.</a:t>
             </a:r>
             <a:r>
-              <a:rPr lang="zh-CN" sz="2400" b="1" dirty="0" smtClean="0">
-                <a:latin typeface="+mn-ea"/>
-                <a:cs typeface="+mn-ea"/>
-              </a:rPr>
-              <a:t>农</a:t>
-            </a:r>
-            <a:r>
               <a:rPr lang="zh-CN" sz="2400" b="1" dirty="0">
                 <a:latin typeface="+mn-ea"/>
                 <a:cs typeface="+mn-ea"/>
               </a:rPr>
-              <a:t>业</a:t>
+              <a:t>农业</a:t>
             </a:r>
             <a:r>
               <a:rPr lang="en-US" sz="2400" b="1" dirty="0">
@@ -6902,39 +6698,32 @@
               <a:t>   </a:t>
             </a:r>
             <a:r>
-              <a:rPr lang="zh-CN" altLang="en-US" sz="2400" b="1" dirty="0" smtClean="0">
+              <a:rPr lang="zh-CN" altLang="en-US" sz="2400" b="1" dirty="0">
                 <a:latin typeface="+mn-ea"/>
                 <a:cs typeface="+mn-ea"/>
               </a:rPr>
               <a:t>（</a:t>
             </a:r>
             <a:r>
-              <a:rPr lang="en-US" altLang="zh-CN" sz="2400" b="1" dirty="0" smtClean="0">
+              <a:rPr lang="en-US" altLang="zh-CN" sz="2400" b="1" dirty="0">
                 <a:latin typeface="+mn-ea"/>
                 <a:cs typeface="+mn-ea"/>
               </a:rPr>
               <a:t>1</a:t>
             </a:r>
             <a:r>
-              <a:rPr lang="zh-CN" altLang="en-US" sz="2400" b="1" dirty="0" smtClean="0">
+              <a:rPr lang="zh-CN" altLang="en-US" sz="2400" b="1" dirty="0">
                 <a:latin typeface="+mn-ea"/>
                 <a:cs typeface="+mn-ea"/>
               </a:rPr>
               <a:t>）</a:t>
             </a:r>
             <a:r>
-              <a:rPr lang="zh-CN" sz="2400" b="1" dirty="0" smtClean="0">
-                <a:latin typeface="+mn-ea"/>
-                <a:cs typeface="+mn-ea"/>
-              </a:rPr>
-              <a:t>主</a:t>
-            </a:r>
-            <a:r>
               <a:rPr lang="zh-CN" sz="2400" b="1" dirty="0">
                 <a:latin typeface="+mn-ea"/>
                 <a:cs typeface="+mn-ea"/>
               </a:rPr>
-              <a:t>要农产品：</a:t>
+              <a:t>主要农产品：</a:t>
             </a:r>
             <a:r>
               <a:rPr lang="en-US" sz="2400" b="1" u="sng" dirty="0">
@@ -6989,39 +6778,32 @@
               </a:lnSpc>
             </a:pPr>
             <a:r>
-              <a:rPr lang="zh-CN" altLang="en-US" sz="2400" b="1" dirty="0" smtClean="0">
+              <a:rPr lang="zh-CN" altLang="en-US" sz="2400" b="1" dirty="0">
                 <a:latin typeface="+mn-ea"/>
                 <a:cs typeface="+mn-ea"/>
               </a:rPr>
               <a:t>（</a:t>
             </a:r>
             <a:r>
-              <a:rPr lang="en-US" altLang="zh-CN" sz="2400" b="1" dirty="0" smtClean="0">
+              <a:rPr lang="en-US" altLang="zh-CN" sz="2400" b="1" dirty="0">
                 <a:latin typeface="+mn-ea"/>
                 <a:cs typeface="+mn-ea"/>
               </a:rPr>
               <a:t>2</a:t>
             </a:r>
             <a:r>
-              <a:rPr lang="zh-CN" altLang="en-US" sz="2400" b="1" dirty="0" smtClean="0">
+              <a:rPr lang="zh-CN" altLang="en-US" sz="2400" b="1" dirty="0">
                 <a:latin typeface="+mn-ea"/>
                 <a:cs typeface="+mn-ea"/>
               </a:rPr>
               <a:t>）</a:t>
             </a:r>
             <a:r>
-              <a:rPr lang="zh-CN" sz="2400" b="1" dirty="0" smtClean="0">
-                <a:latin typeface="+mn-ea"/>
-                <a:cs typeface="+mn-ea"/>
-              </a:rPr>
-              <a:t>试</a:t>
-            </a:r>
-            <a:r>
               <a:rPr lang="zh-CN" sz="2400" b="1" dirty="0">
                 <a:latin typeface="+mn-ea"/>
                 <a:cs typeface="+mn-ea"/>
               </a:rPr>
-              <a:t>结合农业常识，简要分析埃及发展长绒棉种植的有利自然条件。（4分）</a:t>
+              <a:t>试结合农业常识，简要分析埃及发展长绒棉种植的有利自然条件。（4分）</a:t>
             </a:r>
             <a:endParaRPr lang="zh-CN" altLang="en-US" sz="2400" b="1" dirty="0">
               <a:latin typeface="+mn-ea"/>
@@ -7154,18 +6936,13 @@
               </a:lnSpc>
             </a:pPr>
             <a:r>
-              <a:rPr lang="zh-CN" altLang="en-US" sz="2400" b="1" dirty="0" smtClean="0">
+              <a:rPr lang="zh-CN" altLang="en-US" sz="2400" b="1" dirty="0">
                 <a:solidFill>
                   <a:srgbClr val="FF0000"/>
                 </a:solidFill>
               </a:rPr>
               <a:t>③土壤肥沃。</a:t>
             </a:r>
-            <a:endParaRPr lang="zh-CN" altLang="en-US" sz="2400" b="1" dirty="0">
-              <a:solidFill>
-                <a:srgbClr val="FF0000"/>
-              </a:solidFill>
-            </a:endParaRPr>
           </a:p>
           <a:p>
             <a:pPr fontAlgn="auto">
@@ -7174,34 +6951,13 @@
               </a:lnSpc>
             </a:pPr>
             <a:r>
-              <a:rPr lang="zh-CN" altLang="en-US" sz="2400" b="1" dirty="0" smtClean="0">
+              <a:rPr lang="zh-CN" altLang="en-US" sz="2400" b="1" dirty="0">
                 <a:solidFill>
                   <a:srgbClr val="FF0000"/>
                 </a:solidFill>
               </a:rPr>
-              <a:t>④</a:t>
-            </a:r>
-            <a:r>
-              <a:rPr lang="zh-CN" altLang="en-US" sz="2400" b="1" dirty="0" smtClean="0">
-                <a:solidFill>
-                  <a:srgbClr val="FF0000"/>
-                </a:solidFill>
-              </a:rPr>
-              <a:t>靠</a:t>
-            </a:r>
-            <a:r>
-              <a:rPr lang="zh-CN" altLang="en-US" sz="2400" b="1" dirty="0" smtClean="0">
-                <a:solidFill>
-                  <a:srgbClr val="FF0000"/>
-                </a:solidFill>
-              </a:rPr>
-              <a:t>近尼罗河，水源充足。</a:t>
-            </a:r>
-            <a:endParaRPr lang="zh-CN" altLang="en-US" sz="2400" b="1" dirty="0">
-              <a:solidFill>
-                <a:srgbClr val="FF0000"/>
-              </a:solidFill>
-            </a:endParaRPr>
+              <a:t>④靠近尼罗河，水源充足。</a:t>
+            </a:r>
           </a:p>
         </p:txBody>
       </p:sp>
@@ -7664,32 +7420,18 @@
               </a:lnSpc>
             </a:pPr>
             <a:r>
-              <a:rPr lang="en-US" altLang="zh-CN" sz="2400" b="1" dirty="0" smtClean="0">
-                <a:latin typeface="+mn-ea"/>
-                <a:cs typeface="+mn-ea"/>
-              </a:rPr>
-              <a:t>2</a:t>
-            </a:r>
-            <a:r>
-              <a:rPr lang="en-US" altLang="zh-CN" sz="2400" b="1" dirty="0" smtClean="0">
-                <a:latin typeface="+mn-ea"/>
-                <a:cs typeface="+mn-ea"/>
-              </a:rPr>
-              <a:t>.</a:t>
-            </a:r>
-            <a:r>
-              <a:rPr lang="zh-CN" sz="2400" b="1" dirty="0" smtClean="0">
-                <a:latin typeface="+mn-ea"/>
-                <a:cs typeface="+mn-ea"/>
-              </a:rPr>
-              <a:t>工</a:t>
+              <a:rPr lang="en-US" altLang="zh-CN" sz="2400" b="1" dirty="0">
+                <a:latin typeface="+mn-ea"/>
+                <a:cs typeface="+mn-ea"/>
+              </a:rPr>
+              <a:t>2.</a:t>
             </a:r>
             <a:r>
               <a:rPr lang="zh-CN" sz="2400" b="1" dirty="0">
                 <a:latin typeface="+mn-ea"/>
                 <a:cs typeface="+mn-ea"/>
               </a:rPr>
-              <a:t>业：主要矿产为</a:t>
+              <a:t>工业：主要矿产为</a:t>
             </a:r>
             <a:r>
               <a:rPr lang="zh-CN" sz="2400" b="1" u="sng" dirty="0">
@@ -7708,32 +7450,18 @@
           </a:p>
           <a:p>
             <a:r>
-              <a:rPr lang="en-US" altLang="zh-CN" sz="2400" b="1" dirty="0" smtClean="0">
-                <a:latin typeface="+mn-ea"/>
-                <a:cs typeface="+mn-ea"/>
-              </a:rPr>
-              <a:t>3</a:t>
-            </a:r>
-            <a:r>
-              <a:rPr lang="en-US" altLang="zh-CN" sz="2400" b="1" dirty="0" smtClean="0">
-                <a:latin typeface="+mn-ea"/>
-                <a:cs typeface="+mn-ea"/>
-              </a:rPr>
-              <a:t>.</a:t>
-            </a:r>
-            <a:r>
-              <a:rPr lang="zh-CN" sz="2400" b="1" dirty="0" smtClean="0">
-                <a:latin typeface="+mn-ea"/>
-                <a:cs typeface="+mn-ea"/>
-              </a:rPr>
-              <a:t>旅</a:t>
+              <a:rPr lang="en-US" altLang="zh-CN" sz="2400" b="1" dirty="0">
+                <a:latin typeface="+mn-ea"/>
+                <a:cs typeface="+mn-ea"/>
+              </a:rPr>
+              <a:t>3.</a:t>
             </a:r>
             <a:r>
               <a:rPr lang="zh-CN" sz="2400" b="1" dirty="0">
                 <a:latin typeface="+mn-ea"/>
                 <a:cs typeface="+mn-ea"/>
               </a:rPr>
-              <a:t>游业：著名“文明古国”，旅游资源丰富。著名古迹有</a:t>
+              <a:t>旅游业：著名“文明古国”，旅游资源丰富。著名古迹有</a:t>
             </a:r>
             <a:r>
               <a:rPr lang="en-US" sz="2400" b="1" u="sng" dirty="0">
@@ -7757,21 +7485,21 @@
               <a:t> </a:t>
             </a:r>
             <a:r>
-              <a:rPr lang="en-US" altLang="zh-CN" sz="2400" b="1" u="sng" dirty="0" smtClean="0">
+              <a:rPr lang="en-US" altLang="zh-CN" sz="2400" b="1" u="sng" dirty="0">
                 <a:latin typeface="+mn-ea"/>
                 <a:cs typeface="+mn-ea"/>
               </a:rPr>
               <a:t>      </a:t>
             </a:r>
             <a:r>
-              <a:rPr lang="zh-CN" sz="2400" b="1" u="sng" dirty="0" smtClean="0">
+              <a:rPr lang="zh-CN" sz="2400" b="1" u="sng" dirty="0">
                 <a:latin typeface="+mn-ea"/>
                 <a:cs typeface="+mn-ea"/>
               </a:rPr>
               <a:t>   </a:t>
             </a:r>
             <a:r>
-              <a:rPr lang="en-US" sz="2400" b="1" u="sng" dirty="0" smtClean="0">
+              <a:rPr lang="en-US" sz="2400" b="1" u="sng" dirty="0">
                 <a:latin typeface="+mn-ea"/>
                 <a:cs typeface="+mn-ea"/>
               </a:rPr>
@@ -7787,32 +7515,18 @@
           </a:p>
           <a:p>
             <a:r>
-              <a:rPr lang="en-US" altLang="zh-CN" sz="2400" b="1" dirty="0" smtClean="0">
-                <a:latin typeface="+mn-ea"/>
-                <a:cs typeface="+mn-ea"/>
-              </a:rPr>
-              <a:t>4</a:t>
-            </a:r>
-            <a:r>
-              <a:rPr lang="en-US" altLang="zh-CN" sz="2400" b="1" dirty="0" smtClean="0">
-                <a:latin typeface="+mn-ea"/>
-                <a:cs typeface="+mn-ea"/>
-              </a:rPr>
-              <a:t>.</a:t>
-            </a:r>
-            <a:r>
-              <a:rPr lang="zh-CN" sz="2400" b="1" dirty="0" smtClean="0">
-                <a:latin typeface="+mn-ea"/>
-                <a:cs typeface="+mn-ea"/>
-              </a:rPr>
-              <a:t>居</a:t>
+              <a:rPr lang="en-US" altLang="zh-CN" sz="2400" b="1" dirty="0">
+                <a:latin typeface="+mn-ea"/>
+                <a:cs typeface="+mn-ea"/>
+              </a:rPr>
+              <a:t>4.</a:t>
             </a:r>
             <a:r>
               <a:rPr lang="zh-CN" sz="2400" b="1" dirty="0">
                 <a:latin typeface="+mn-ea"/>
                 <a:cs typeface="+mn-ea"/>
               </a:rPr>
-              <a:t>民：主要民族为</a:t>
+              <a:t>居民：主要民族为</a:t>
             </a:r>
             <a:r>
               <a:rPr lang="en-US" sz="2400" b="1" u="sng" dirty="0">
@@ -7840,40 +7554,26 @@
                 <a:latin typeface="+mn-ea"/>
                 <a:cs typeface="+mn-ea"/>
               </a:rPr>
-              <a:t>人</a:t>
-            </a:r>
-            <a:r>
-              <a:rPr lang="zh-CN" sz="2400" b="1" dirty="0" smtClean="0">
-                <a:latin typeface="+mn-ea"/>
-                <a:cs typeface="+mn-ea"/>
-              </a:rPr>
-              <a:t>种，</a:t>
-            </a:r>
-            <a:endParaRPr lang="en-US" altLang="zh-CN" sz="2400" b="1" dirty="0" smtClean="0">
+              <a:t>人种，</a:t>
+            </a:r>
+            <a:endParaRPr lang="en-US" altLang="zh-CN" sz="2400" b="1" dirty="0">
               <a:latin typeface="+mn-ea"/>
               <a:cs typeface="+mn-ea"/>
             </a:endParaRPr>
           </a:p>
           <a:p>
-            <a:endParaRPr lang="en-US" altLang="zh-CN" sz="2400" b="1" dirty="0" smtClean="0">
+            <a:endParaRPr lang="en-US" altLang="zh-CN" sz="2400" b="1" dirty="0">
               <a:latin typeface="+mn-ea"/>
               <a:cs typeface="+mn-ea"/>
             </a:endParaRPr>
           </a:p>
           <a:p>
             <a:r>
-              <a:rPr lang="zh-CN" sz="2400" b="1" dirty="0" smtClean="0">
-                <a:latin typeface="+mn-ea"/>
-                <a:cs typeface="+mn-ea"/>
-              </a:rPr>
-              <a:t>语</a:t>
-            </a:r>
-            <a:r>
               <a:rPr lang="zh-CN" sz="2400" b="1" dirty="0">
                 <a:latin typeface="+mn-ea"/>
                 <a:cs typeface="+mn-ea"/>
               </a:rPr>
-              <a:t>言为</a:t>
+              <a:t>语言为</a:t>
             </a:r>
             <a:r>
               <a:rPr lang="en-US" sz="2400" b="1" u="sng" dirty="0">
@@ -8925,32 +8625,15 @@
           </a:lstStyle>
           <a:p>
             <a:r>
-              <a:rPr lang="zh-CN" altLang="en-US" b="1" dirty="0" smtClean="0">
+              <a:rPr lang="zh-CN" altLang="en-US" b="1" dirty="0">
                 <a:solidFill>
                   <a:srgbClr val="7030A0"/>
                 </a:solidFill>
                 <a:latin typeface="楷体" panose="02010609060101010101" charset="-122"/>
                 <a:ea typeface="楷体" panose="02010609060101010101" charset="-122"/>
               </a:rPr>
-              <a:t>巩固练</a:t>
-            </a:r>
-            <a:r>
-              <a:rPr lang="zh-CN" altLang="en-US" b="1" dirty="0" smtClean="0">
-                <a:solidFill>
-                  <a:srgbClr val="7030A0"/>
-                </a:solidFill>
-                <a:latin typeface="楷体" panose="02010609060101010101" charset="-122"/>
-                <a:ea typeface="楷体" panose="02010609060101010101" charset="-122"/>
-              </a:rPr>
-              <a:t>习：</a:t>
-            </a:r>
-            <a:endParaRPr lang="zh-CN" altLang="en-US" b="1" dirty="0">
-              <a:solidFill>
-                <a:srgbClr val="7030A0"/>
-              </a:solidFill>
-              <a:latin typeface="楷体" panose="02010609060101010101" charset="-122"/>
-              <a:ea typeface="楷体" panose="02010609060101010101" charset="-122"/>
-            </a:endParaRPr>
+              <a:t>巩固练习：</a:t>
+            </a:r>
           </a:p>
         </p:txBody>
       </p:sp>
@@ -9290,25 +8973,18 @@
               </a:lnSpc>
             </a:pPr>
             <a:r>
-              <a:rPr lang="en-US" altLang="zh-CN" sz="2400" b="1" dirty="0" smtClean="0">
+              <a:rPr lang="en-US" altLang="zh-CN" sz="2400" b="1" dirty="0">
                 <a:latin typeface="+mn-ea"/>
                 <a:cs typeface="+mn-ea"/>
               </a:rPr>
               <a:t>3.</a:t>
             </a:r>
             <a:r>
-              <a:rPr lang="zh-CN" sz="2400" b="1" dirty="0" smtClean="0">
-                <a:latin typeface="+mn-ea"/>
-                <a:cs typeface="+mn-ea"/>
-              </a:rPr>
-              <a:t>日</a:t>
-            </a:r>
-            <a:r>
               <a:rPr lang="zh-CN" sz="2400" b="1" dirty="0">
                 <a:latin typeface="+mn-ea"/>
                 <a:cs typeface="+mn-ea"/>
               </a:rPr>
-              <a:t>本工业多集中分布在图中阴影地区的主要原因是（     ）</a:t>
+              <a:t>日本工业多集中分布在图中阴影地区的主要原因是（     ）</a:t>
             </a:r>
             <a:endParaRPr lang="en-US" sz="2400" b="1" dirty="0">
               <a:latin typeface="+mn-ea"/>
@@ -9513,32 +9189,15 @@
           </a:lstStyle>
           <a:p>
             <a:r>
-              <a:rPr lang="zh-CN" altLang="en-US" b="1" dirty="0" smtClean="0">
+              <a:rPr lang="zh-CN" altLang="en-US" b="1" dirty="0">
                 <a:solidFill>
                   <a:srgbClr val="7030A0"/>
                 </a:solidFill>
                 <a:latin typeface="楷体" panose="02010609060101010101" charset="-122"/>
                 <a:ea typeface="楷体" panose="02010609060101010101" charset="-122"/>
               </a:rPr>
-              <a:t>巩固练</a:t>
-            </a:r>
-            <a:r>
-              <a:rPr lang="zh-CN" altLang="en-US" b="1" dirty="0" smtClean="0">
-                <a:solidFill>
-                  <a:srgbClr val="7030A0"/>
-                </a:solidFill>
-                <a:latin typeface="楷体" panose="02010609060101010101" charset="-122"/>
-                <a:ea typeface="楷体" panose="02010609060101010101" charset="-122"/>
-              </a:rPr>
-              <a:t>习：</a:t>
-            </a:r>
-            <a:endParaRPr lang="zh-CN" altLang="en-US" b="1" dirty="0">
-              <a:solidFill>
-                <a:srgbClr val="7030A0"/>
-              </a:solidFill>
-              <a:latin typeface="楷体" panose="02010609060101010101" charset="-122"/>
-              <a:ea typeface="楷体" panose="02010609060101010101" charset="-122"/>
-            </a:endParaRPr>
+              <a:t>巩固练习：</a:t>
+            </a:r>
           </a:p>
         </p:txBody>
       </p:sp>
@@ -9845,13 +9504,6 @@
   <p:clrMapOvr>
     <a:masterClrMapping/>
   </p:clrMapOvr>
-  <p:timing>
-    <p:tnLst>
-      <p:par>
-        <p:cTn id="1" dur="indefinite" restart="never" nodeType="tmRoot"/>
-      </p:par>
-    </p:tnLst>
-  </p:timing>
 </p:sld>
 </file>
 
@@ -9910,25 +9562,18 @@
               <a:buNone/>
             </a:pPr>
             <a:r>
-              <a:rPr lang="en-US" altLang="zh-CN" sz="9600" b="1" dirty="0" smtClean="0">
+              <a:rPr lang="en-US" altLang="zh-CN" sz="9600" b="1" dirty="0">
                 <a:latin typeface="+mn-ea"/>
                 <a:cs typeface="+mn-ea"/>
               </a:rPr>
               <a:t>4. </a:t>
             </a:r>
             <a:r>
-              <a:rPr lang="zh-CN" altLang="en-US" sz="9600" b="1" dirty="0" smtClean="0">
-                <a:latin typeface="+mn-ea"/>
-                <a:cs typeface="+mn-ea"/>
-              </a:rPr>
-              <a:t>读</a:t>
-            </a:r>
-            <a:r>
               <a:rPr lang="zh-CN" altLang="en-US" sz="9600" b="1" dirty="0">
                 <a:latin typeface="+mn-ea"/>
                 <a:cs typeface="+mn-ea"/>
               </a:rPr>
-              <a:t>埃及、日本主要城市分布图，读图完成下列各题。(6分)</a:t>
+              <a:t>读埃及、日本主要城市分布图，读图完成下列各题。(6分)</a:t>
             </a:r>
           </a:p>
           <a:p>
@@ -9947,35 +9592,7 @@
                 <a:latin typeface="+mn-ea"/>
                 <a:cs typeface="+mn-ea"/>
               </a:rPr>
-              <a:t> 试结合图中信息，列举苏伊士运河的重</a:t>
-            </a:r>
-            <a:r>
-              <a:rPr lang="zh-CN" altLang="en-US" sz="9600" b="1" dirty="0" smtClean="0">
-                <a:latin typeface="+mn-ea"/>
-                <a:cs typeface="+mn-ea"/>
-              </a:rPr>
-              <a:t>要</a:t>
-            </a:r>
-            <a:r>
-              <a:rPr lang="zh-CN" altLang="en-US" sz="9600" b="1" dirty="0" smtClean="0">
-                <a:latin typeface="+mn-ea"/>
-                <a:cs typeface="+mn-ea"/>
-              </a:rPr>
-              <a:t>地理意义</a:t>
-            </a:r>
-            <a:r>
-              <a:rPr lang="zh-CN" altLang="en-US" sz="9600" b="1" dirty="0" smtClean="0">
-                <a:latin typeface="+mn-ea"/>
-                <a:cs typeface="+mn-ea"/>
-              </a:rPr>
-              <a:t>。（</a:t>
-            </a:r>
-            <a:r>
-              <a:rPr lang="zh-CN" altLang="en-US" sz="9600" b="1" dirty="0">
-                <a:latin typeface="+mn-ea"/>
-                <a:cs typeface="+mn-ea"/>
-              </a:rPr>
-              <a:t>2分）</a:t>
+              <a:t> 试结合图中信息，列举苏伊士运河的重要地理意义。（2分）</a:t>
             </a:r>
           </a:p>
           <a:p>
@@ -10001,21 +9618,14 @@
               <a:buNone/>
             </a:pPr>
             <a:r>
-              <a:rPr lang="en-US" altLang="zh-CN" sz="9600" b="1" dirty="0" smtClean="0">
-                <a:latin typeface="+mn-ea"/>
-                <a:cs typeface="+mn-ea"/>
-              </a:rPr>
-              <a:t> </a:t>
-            </a:r>
-            <a:r>
-              <a:rPr lang="en-US" altLang="zh-CN" sz="9600" b="1" dirty="0" smtClean="0">
-                <a:latin typeface="+mn-ea"/>
-                <a:cs typeface="+mn-ea"/>
-              </a:rPr>
-              <a:t>          </a:t>
-            </a:r>
-            <a:r>
-              <a:rPr lang="zh-CN" altLang="en-US" sz="9600" b="1" dirty="0" smtClean="0">
+              <a:rPr lang="en-US" altLang="zh-CN" sz="9600" b="1" dirty="0">
+                <a:latin typeface="+mn-ea"/>
+                <a:cs typeface="+mn-ea"/>
+              </a:rPr>
+              <a:t>           </a:t>
+            </a:r>
+            <a:r>
+              <a:rPr lang="zh-CN" altLang="en-US" sz="9600" b="1" dirty="0">
                 <a:solidFill>
                   <a:srgbClr val="FF0000"/>
                 </a:solidFill>
@@ -10025,7 +9635,7 @@
               <a:t>②</a:t>
             </a:r>
             <a:r>
-              <a:rPr lang="en-US" altLang="zh-CN" sz="9600" b="1" dirty="0" smtClean="0">
+              <a:rPr lang="en-US" altLang="zh-CN" sz="9600" b="1" dirty="0">
                 <a:solidFill>
                   <a:srgbClr val="FF0000"/>
                 </a:solidFill>
@@ -10035,7 +9645,7 @@
               <a:t>  </a:t>
             </a:r>
             <a:r>
-              <a:rPr lang="zh-CN" altLang="en-US" sz="9600" b="1" dirty="0" smtClean="0">
+              <a:rPr lang="zh-CN" altLang="en-US" sz="9600" b="1" dirty="0">
                 <a:solidFill>
                   <a:srgbClr val="FF0000"/>
                 </a:solidFill>
@@ -10044,7 +9654,7 @@
               </a:rPr>
               <a:t>沟通红海、地中海（沟通印度洋和大西洋）</a:t>
             </a:r>
-            <a:endParaRPr lang="en-US" altLang="zh-CN" sz="9600" b="1" dirty="0" smtClean="0">
+            <a:endParaRPr lang="en-US" altLang="zh-CN" sz="9600" b="1" dirty="0">
               <a:solidFill>
                 <a:srgbClr val="FF0000"/>
               </a:solidFill>
@@ -10056,7 +9666,7 @@
             <a:pPr marL="0" indent="0">
               <a:buNone/>
             </a:pPr>
-            <a:endParaRPr lang="en-US" altLang="zh-CN" sz="9600" b="1" dirty="0" smtClean="0">
+            <a:endParaRPr lang="en-US" altLang="zh-CN" sz="9600" b="1" dirty="0">
               <a:latin typeface="+mn-ea"/>
               <a:cs typeface="+mn-ea"/>
             </a:endParaRPr>
@@ -10066,18 +9676,11 @@
               <a:buNone/>
             </a:pPr>
             <a:r>
-              <a:rPr lang="en-US" altLang="zh-CN" sz="9600" b="1" dirty="0" smtClean="0">
-                <a:latin typeface="+mn-ea"/>
-                <a:cs typeface="+mn-ea"/>
-              </a:rPr>
-              <a:t>2</a:t>
-            </a:r>
-            <a:r>
               <a:rPr lang="en-US" altLang="zh-CN" sz="9600" b="1" dirty="0">
                 <a:latin typeface="+mn-ea"/>
                 <a:cs typeface="+mn-ea"/>
               </a:rPr>
-              <a:t>.</a:t>
+              <a:t>2.</a:t>
             </a:r>
             <a:r>
               <a:rPr lang="zh-CN" altLang="en-US" sz="9600" b="1" dirty="0">
@@ -10096,21 +9699,7 @@
                 <a:latin typeface="+mn-ea"/>
                 <a:cs typeface="+mn-ea"/>
               </a:rPr>
-              <a:t>并简要分析主要形成原因</a:t>
-            </a:r>
-            <a:r>
-              <a:rPr lang="zh-CN" altLang="en-US" sz="9600" b="1" dirty="0" smtClean="0">
-                <a:latin typeface="+mn-ea"/>
-                <a:cs typeface="+mn-ea"/>
-              </a:rPr>
-              <a:t>。（</a:t>
-            </a:r>
-            <a:r>
-              <a:rPr lang="zh-CN" altLang="en-US" sz="9600" b="1" dirty="0">
-                <a:latin typeface="+mn-ea"/>
-                <a:cs typeface="+mn-ea"/>
-              </a:rPr>
-              <a:t>共4分）</a:t>
+              <a:t>并简要分析主要形成原因。（共4分）</a:t>
             </a:r>
           </a:p>
         </p:txBody>
@@ -10202,18 +9791,13 @@
           <a:lstStyle/>
           <a:p>
             <a:r>
-              <a:rPr lang="zh-CN" altLang="en-US" sz="2400" b="1" dirty="0" smtClean="0">
+              <a:rPr lang="zh-CN" altLang="en-US" sz="2400" b="1" dirty="0">
                 <a:solidFill>
                   <a:srgbClr val="FF0000"/>
                 </a:solidFill>
               </a:rPr>
               <a:t>①分界亚洲、非洲</a:t>
             </a:r>
-            <a:endParaRPr lang="zh-CN" altLang="en-US" sz="2400" b="1" dirty="0">
-              <a:solidFill>
-                <a:srgbClr val="FF0000"/>
-              </a:solidFill>
-            </a:endParaRPr>
           </a:p>
         </p:txBody>
       </p:sp>
@@ -10250,29 +9834,15 @@
           </a:p>
           <a:p>
             <a:r>
-              <a:rPr lang="zh-CN" altLang="en-US" sz="2400" b="1" dirty="0" smtClean="0">
-                <a:solidFill>
-                  <a:srgbClr val="FF0000"/>
-                </a:solidFill>
-              </a:rPr>
-              <a:t>原因：埃及主要为热带沙漠气候，尼罗河沿岸水</a:t>
-            </a:r>
-            <a:r>
               <a:rPr lang="zh-CN" altLang="en-US" sz="2400" b="1" dirty="0">
                 <a:solidFill>
                   <a:srgbClr val="FF0000"/>
                 </a:solidFill>
               </a:rPr>
-              <a:t>源充</a:t>
-            </a:r>
-            <a:r>
-              <a:rPr lang="zh-CN" altLang="en-US" sz="2400" b="1" dirty="0" smtClean="0">
-                <a:solidFill>
-                  <a:srgbClr val="FF0000"/>
-                </a:solidFill>
-              </a:rPr>
-              <a:t>足。</a:t>
-            </a:r>
+              <a:t>原因：埃及主要为热带沙漠气候，尼罗河沿岸水源充足。</a:t>
+            </a:r>
+          </a:p>
+          <a:p>
             <a:endParaRPr lang="zh-CN" altLang="en-US" sz="2400" b="1" dirty="0">
               <a:solidFill>
                 <a:srgbClr val="FF0000"/>
@@ -10280,92 +9850,24 @@
             </a:endParaRPr>
           </a:p>
           <a:p>
-            <a:endParaRPr lang="zh-CN" altLang="en-US" sz="2400" b="1" dirty="0">
-              <a:solidFill>
-                <a:srgbClr val="FF0000"/>
-              </a:solidFill>
-            </a:endParaRPr>
-          </a:p>
-          <a:p>
             <a:r>
               <a:rPr lang="zh-CN" altLang="en-US" sz="2400" b="1" dirty="0">
                 <a:solidFill>
                   <a:srgbClr val="FF0000"/>
                 </a:solidFill>
               </a:rPr>
-              <a:t>日本</a:t>
-            </a:r>
-            <a:r>
-              <a:rPr lang="zh-CN" altLang="en-US" sz="2400" b="1" dirty="0" smtClean="0">
-                <a:solidFill>
-                  <a:srgbClr val="FF0000"/>
-                </a:solidFill>
-              </a:rPr>
-              <a:t>：主要分布在太</a:t>
-            </a:r>
+              <a:t>日本：主要分布在太平洋沿岸。</a:t>
+            </a:r>
+          </a:p>
+          <a:p>
             <a:r>
               <a:rPr lang="zh-CN" altLang="en-US" sz="2400" b="1" dirty="0">
                 <a:solidFill>
                   <a:srgbClr val="FF0000"/>
                 </a:solidFill>
               </a:rPr>
-              <a:t>平洋沿岸。</a:t>
-            </a:r>
-          </a:p>
-          <a:p>
-            <a:r>
-              <a:rPr lang="zh-CN" altLang="en-US" sz="2400" b="1" dirty="0" smtClean="0">
-                <a:solidFill>
-                  <a:srgbClr val="FF0000"/>
-                </a:solidFill>
-              </a:rPr>
-              <a:t>原因</a:t>
-            </a:r>
-            <a:r>
-              <a:rPr lang="zh-CN" altLang="en-US" sz="2400" b="1" dirty="0" smtClean="0">
-                <a:solidFill>
-                  <a:srgbClr val="FF0000"/>
-                </a:solidFill>
-              </a:rPr>
-              <a:t>：日本矿产贫乏，太平洋沿岸海运便</a:t>
-            </a:r>
-            <a:r>
-              <a:rPr lang="zh-CN" altLang="en-US" sz="2400" b="1" dirty="0">
-                <a:solidFill>
-                  <a:srgbClr val="FF0000"/>
-                </a:solidFill>
-              </a:rPr>
-              <a:t>利</a:t>
-            </a:r>
-            <a:r>
-              <a:rPr lang="zh-CN" altLang="en-US" sz="2400" b="1" dirty="0" smtClean="0">
-                <a:solidFill>
-                  <a:srgbClr val="FF0000"/>
-                </a:solidFill>
-              </a:rPr>
-              <a:t>，</a:t>
-            </a:r>
-            <a:r>
-              <a:rPr lang="zh-CN" altLang="en-US" sz="2400" b="1" dirty="0" smtClean="0">
-                <a:solidFill>
-                  <a:srgbClr val="FF0000"/>
-                </a:solidFill>
-              </a:rPr>
-              <a:t>便于进出口</a:t>
-            </a:r>
-            <a:r>
-              <a:rPr lang="zh-CN" altLang="en-US" sz="2400" b="1" dirty="0" smtClean="0">
-                <a:solidFill>
-                  <a:srgbClr val="FF0000"/>
-                </a:solidFill>
-              </a:rPr>
-              <a:t>。</a:t>
-            </a:r>
-            <a:endParaRPr lang="zh-CN" altLang="en-US" sz="2400" b="1" dirty="0">
-              <a:solidFill>
-                <a:srgbClr val="FF0000"/>
-              </a:solidFill>
-            </a:endParaRPr>
+              <a:t>原因：日本矿产贫乏，太平洋沿岸海运便利，便于进出口。</a:t>
+            </a:r>
           </a:p>
         </p:txBody>
       </p:sp>
@@ -10707,157 +10209,6 @@
 </p:sld>
 </file>
 
-<file path=ppt/slides/slide21.xml><?xml version="1.0" encoding="utf-8"?>
-<p:sld xmlns:a="http://schemas.openxmlformats.org/drawingml/2006/main" xmlns:r="http://schemas.openxmlformats.org/officeDocument/2006/relationships" xmlns:p="http://schemas.openxmlformats.org/presentationml/2006/main">
-  <p:cSld>
-    <p:spTree>
-      <p:nvGrpSpPr>
-        <p:cNvPr id="1" name=""/>
-        <p:cNvGrpSpPr/>
-        <p:nvPr/>
-      </p:nvGrpSpPr>
-      <p:grpSpPr>
-        <a:xfrm>
-          <a:off x="0" y="0"/>
-          <a:ext cx="0" cy="0"/>
-          <a:chOff x="0" y="0"/>
-          <a:chExt cx="0" cy="0"/>
-        </a:xfrm>
-      </p:grpSpPr>
-      <p:pic>
-        <p:nvPicPr>
-          <p:cNvPr id="52226" name="Picture 2" descr="https://img.tukuppt.com/png_preview/00/00/52/Tczk9QhT8F.jpg!/fw/780"/>
-          <p:cNvPicPr>
-            <a:picLocks noChangeAspect="1" noChangeArrowheads="1"/>
-          </p:cNvPicPr>
-          <p:nvPr/>
-        </p:nvPicPr>
-        <p:blipFill>
-          <a:blip r:embed="rId2" cstate="print"/>
-          <a:srcRect/>
-          <a:stretch>
-            <a:fillRect/>
-          </a:stretch>
-        </p:blipFill>
-        <p:spPr bwMode="auto">
-          <a:xfrm>
-            <a:off x="624840" y="441959"/>
-            <a:ext cx="10866119" cy="5044441"/>
-          </a:xfrm>
-          <a:prstGeom prst="rect">
-            <a:avLst/>
-          </a:prstGeom>
-        </p:spPr>
-        <p:style>
-          <a:lnRef idx="1">
-            <a:schemeClr val="accent6"/>
-          </a:lnRef>
-          <a:fillRef idx="3">
-            <a:schemeClr val="accent6"/>
-          </a:fillRef>
-          <a:effectRef idx="2">
-            <a:schemeClr val="accent6"/>
-          </a:effectRef>
-          <a:fontRef idx="minor">
-            <a:schemeClr val="lt1"/>
-          </a:fontRef>
-        </p:style>
-      </p:pic>
-      <p:sp>
-        <p:nvSpPr>
-          <p:cNvPr id="3" name="TextBox 2"/>
-          <p:cNvSpPr txBox="1"/>
-          <p:nvPr/>
-        </p:nvSpPr>
-        <p:spPr>
-          <a:xfrm>
-            <a:off x="3611880" y="2194560"/>
-            <a:ext cx="5669280" cy="1015663"/>
-          </a:xfrm>
-          <a:prstGeom prst="rect">
-            <a:avLst/>
-          </a:prstGeom>
-          <a:noFill/>
-        </p:spPr>
-        <p:txBody>
-          <a:bodyPr wrap="square" rtlCol="0">
-            <a:spAutoFit/>
-          </a:bodyPr>
-          <a:lstStyle/>
-          <a:p>
-            <a:r>
-              <a:rPr lang="zh-CN" altLang="en-US" sz="6000" dirty="0" smtClean="0">
-                <a:solidFill>
-                  <a:srgbClr val="FF0000"/>
-                </a:solidFill>
-                <a:latin typeface="方正粗黑宋简体" panose="02000000000000000000" pitchFamily="2" charset="-122"/>
-                <a:ea typeface="方正粗黑宋简体" panose="02000000000000000000" pitchFamily="2" charset="-122"/>
-              </a:rPr>
-              <a:t>祝你学习进步！</a:t>
-            </a:r>
-            <a:endParaRPr lang="zh-CN" altLang="en-US" sz="6000" dirty="0">
-              <a:solidFill>
-                <a:srgbClr val="FF0000"/>
-              </a:solidFill>
-              <a:latin typeface="方正粗黑宋简体" panose="02000000000000000000" pitchFamily="2" charset="-122"/>
-              <a:ea typeface="方正粗黑宋简体" panose="02000000000000000000" pitchFamily="2" charset="-122"/>
-            </a:endParaRPr>
-          </a:p>
-        </p:txBody>
-      </p:sp>
-      <p:sp>
-        <p:nvSpPr>
-          <p:cNvPr id="4" name="TextBox 3"/>
-          <p:cNvSpPr txBox="1"/>
-          <p:nvPr/>
-        </p:nvSpPr>
-        <p:spPr>
-          <a:xfrm>
-            <a:off x="4434840" y="5684520"/>
-            <a:ext cx="3886200" cy="646331"/>
-          </a:xfrm>
-          <a:prstGeom prst="rect">
-            <a:avLst/>
-          </a:prstGeom>
-          <a:noFill/>
-        </p:spPr>
-        <p:txBody>
-          <a:bodyPr wrap="square" rtlCol="0">
-            <a:spAutoFit/>
-          </a:bodyPr>
-          <a:lstStyle/>
-          <a:p>
-            <a:r>
-              <a:rPr lang="zh-CN" altLang="en-US" sz="3600" b="1" dirty="0" smtClean="0"/>
-              <a:t>青岛</a:t>
-            </a:r>
-            <a:r>
-              <a:rPr lang="en-US" altLang="zh-CN" sz="3600" b="1" dirty="0" smtClean="0"/>
-              <a:t>62</a:t>
-            </a:r>
-            <a:r>
-              <a:rPr lang="zh-CN" altLang="en-US" sz="3600" b="1" dirty="0" smtClean="0"/>
-              <a:t>中地理组</a:t>
-            </a:r>
-            <a:endParaRPr lang="zh-CN" altLang="en-US" sz="3600" b="1" dirty="0"/>
-          </a:p>
-        </p:txBody>
-      </p:sp>
-    </p:spTree>
-  </p:cSld>
-  <p:clrMapOvr>
-    <a:masterClrMapping/>
-  </p:clrMapOvr>
-  <p:timing>
-    <p:tnLst>
-      <p:par>
-        <p:cTn id="1" dur="indefinite" restart="never" nodeType="tmRoot"/>
-      </p:par>
-    </p:tnLst>
-  </p:timing>
-</p:sld>
-</file>
-
 <file path=ppt/slides/slide3.xml><?xml version="1.0" encoding="utf-8"?>
 <p:sld xmlns:a="http://schemas.openxmlformats.org/drawingml/2006/main" xmlns:r="http://schemas.openxmlformats.org/officeDocument/2006/relationships" xmlns:p="http://schemas.openxmlformats.org/presentationml/2006/main">
   <p:cSld>
@@ -11755,18 +11106,13 @@
           <a:lstStyle/>
           <a:p>
             <a:r>
-              <a:rPr lang="zh-CN" altLang="en-US" sz="3600" b="1" dirty="0" smtClean="0">
+              <a:rPr lang="zh-CN" altLang="en-US" sz="3600" b="1" dirty="0">
                 <a:solidFill>
                   <a:srgbClr val="FF0000"/>
                 </a:solidFill>
               </a:rPr>
               <a:t>第一节     日本</a:t>
             </a:r>
-            <a:endParaRPr lang="zh-CN" altLang="en-US" sz="3600" b="1" dirty="0">
-              <a:solidFill>
-                <a:srgbClr val="FF0000"/>
-              </a:solidFill>
-            </a:endParaRPr>
           </a:p>
         </p:txBody>
       </p:sp>
@@ -13295,28 +12641,12 @@
               <a:buNone/>
             </a:pPr>
             <a:r>
-              <a:rPr lang="en-US" altLang="zh-CN" sz="2400" b="1" dirty="0" smtClean="0">
+              <a:rPr lang="en-US" altLang="zh-CN" sz="2400" b="1" dirty="0">
                 <a:solidFill>
                   <a:srgbClr val="FF0000"/>
                 </a:solidFill>
               </a:rPr>
               <a:t>(</a:t>
-            </a:r>
-            <a:r>
-              <a:rPr lang="zh-CN" altLang="en-US" sz="2400" b="1" dirty="0" smtClean="0">
-                <a:solidFill>
-                  <a:srgbClr val="FF0000"/>
-                </a:solidFill>
-              </a:rPr>
-              <a:t>一）</a:t>
-            </a:r>
-            <a:r>
-              <a:rPr lang="zh-CN" altLang="en-US" sz="2400" b="1" dirty="0" smtClean="0">
-                <a:solidFill>
-                  <a:srgbClr val="FF0000"/>
-                </a:solidFill>
-              </a:rPr>
-              <a:t>地</a:t>
             </a:r>
             <a:r>
               <a:rPr lang="zh-CN" altLang="en-US" sz="2400" b="1" dirty="0">
@@ -13324,7 +12654,7 @@
                   <a:srgbClr val="FF0000"/>
                 </a:solidFill>
               </a:rPr>
-              <a:t>形</a:t>
+              <a:t>一）地形</a:t>
             </a:r>
           </a:p>
           <a:p>
@@ -13409,13 +12739,6 @@
   <p:clrMapOvr>
     <a:masterClrMapping/>
   </p:clrMapOvr>
-  <p:timing>
-    <p:tnLst>
-      <p:par>
-        <p:cTn id="1" dur="indefinite" restart="never" nodeType="tmRoot"/>
-      </p:par>
-    </p:tnLst>
-  </p:timing>
 </p:sld>
 </file>
 
@@ -13525,20 +12848,12 @@
               </a:lnSpc>
             </a:pPr>
             <a:r>
-              <a:rPr lang="zh-CN" altLang="en-US" sz="2400" b="1" dirty="0" smtClean="0">
-                <a:solidFill>
-                  <a:srgbClr val="FF0000"/>
-                </a:solidFill>
-              </a:rPr>
-              <a:t>（二）气</a:t>
-            </a:r>
-            <a:r>
               <a:rPr lang="zh-CN" altLang="en-US" sz="2400" b="1" dirty="0">
                 <a:solidFill>
                   <a:srgbClr val="FF0000"/>
                 </a:solidFill>
               </a:rPr>
-              <a:t>候</a:t>
+              <a:t>（二）气候</a:t>
             </a:r>
           </a:p>
           <a:p>
@@ -13970,33 +13285,8 @@
                 <a:latin typeface="+mn-ea"/>
                 <a:cs typeface="+mn-ea"/>
               </a:rPr>
-              <a:t>读右</a:t>
-            </a:r>
-            <a:r>
-              <a:rPr lang="zh-CN" altLang="en-US" sz="2400" b="1" dirty="0" smtClean="0">
-                <a:latin typeface="+mn-ea"/>
-                <a:cs typeface="+mn-ea"/>
-              </a:rPr>
-              <a:t>图</a:t>
-            </a:r>
-            <a:r>
-              <a:rPr lang="zh-CN" altLang="en-US" sz="2400" b="1" dirty="0" smtClean="0">
-                <a:latin typeface="+mn-ea"/>
-                <a:cs typeface="+mn-ea"/>
-              </a:rPr>
-              <a:t>分</a:t>
-            </a:r>
-            <a:r>
-              <a:rPr lang="zh-CN" altLang="en-US" sz="2400" b="1" dirty="0" smtClean="0">
-                <a:latin typeface="+mn-ea"/>
-                <a:cs typeface="+mn-ea"/>
-              </a:rPr>
-              <a:t>析：</a:t>
-            </a:r>
-            <a:endParaRPr lang="zh-CN" altLang="en-US" sz="2400" b="1" dirty="0">
-              <a:latin typeface="+mn-ea"/>
-              <a:cs typeface="+mn-ea"/>
-            </a:endParaRPr>
+              <a:t>读右图分析：</a:t>
+            </a:r>
           </a:p>
           <a:p>
             <a:pPr marL="0" indent="0" fontAlgn="auto">
@@ -14009,20 +13299,12 @@
               <a:buNone/>
             </a:pPr>
             <a:r>
-              <a:rPr lang="zh-CN" altLang="en-US" sz="2400" b="1" dirty="0" smtClean="0">
+              <a:rPr lang="zh-CN" altLang="en-US" sz="2400" b="1" dirty="0">
                 <a:latin typeface="+mn-ea"/>
                 <a:cs typeface="+mn-ea"/>
                 <a:sym typeface="+mn-ea"/>
               </a:rPr>
-              <a:t>日</a:t>
-            </a:r>
-            <a:r>
-              <a:rPr lang="zh-CN" altLang="en-US" sz="2400" b="1" dirty="0">
-                <a:latin typeface="+mn-ea"/>
-                <a:cs typeface="+mn-ea"/>
-                <a:sym typeface="+mn-ea"/>
-              </a:rPr>
-              <a:t>本樱花从南到北开花时间逐渐推迟的原因是什么？</a:t>
+              <a:t>日本樱花从南到北开花时间逐渐推迟的原因是什么？</a:t>
             </a:r>
           </a:p>
           <a:p>
@@ -14314,20 +13596,12 @@
               <a:buNone/>
             </a:pPr>
             <a:r>
-              <a:rPr lang="zh-CN" altLang="en-US" b="1" dirty="0" smtClean="0">
-                <a:solidFill>
-                  <a:srgbClr val="FF0000"/>
-                </a:solidFill>
-              </a:rPr>
-              <a:t>（三）资</a:t>
-            </a:r>
-            <a:r>
               <a:rPr lang="zh-CN" altLang="en-US" b="1" dirty="0">
                 <a:solidFill>
                   <a:srgbClr val="FF0000"/>
                 </a:solidFill>
               </a:rPr>
-              <a:t>源</a:t>
+              <a:t>（三）资源</a:t>
             </a:r>
           </a:p>
           <a:p>
@@ -14341,12 +13615,8 @@
               <a:buNone/>
             </a:pPr>
             <a:r>
-              <a:rPr lang="zh-CN" altLang="en-US" b="1" dirty="0" smtClean="0"/>
-              <a:t>但</a:t>
-            </a:r>
-            <a:r>
               <a:rPr lang="zh-CN" altLang="en-US" b="1" dirty="0"/>
-              <a:t>森林资源、海洋资源较为丰富。</a:t>
+              <a:t>但森林资源、海洋资源较为丰富。</a:t>
             </a:r>
           </a:p>
         </p:txBody>
@@ -14474,42 +13744,26 @@
           <a:lstStyle/>
           <a:p>
             <a:r>
-              <a:rPr lang="zh-CN" altLang="en-US" sz="4000" b="1" dirty="0" smtClean="0">
+              <a:rPr lang="zh-CN" altLang="en-US" sz="4000" b="1" dirty="0">
                 <a:solidFill>
                   <a:srgbClr val="FF0000"/>
                 </a:solidFill>
               </a:rPr>
-              <a:t>但</a:t>
-            </a:r>
-            <a:r>
-              <a:rPr lang="zh-CN" altLang="en-US" sz="4000" b="1" dirty="0" smtClean="0">
-                <a:solidFill>
-                  <a:srgbClr val="FF0000"/>
-                </a:solidFill>
-              </a:rPr>
-              <a:t>日本的矿产资源贫</a:t>
-            </a:r>
-            <a:r>
-              <a:rPr lang="zh-CN" altLang="en-US" sz="4000" b="1" dirty="0" smtClean="0">
-                <a:solidFill>
-                  <a:srgbClr val="FF0000"/>
-                </a:solidFill>
-              </a:rPr>
-              <a:t>乏。</a:t>
-            </a:r>
-            <a:endParaRPr lang="zh-CN" altLang="en-US" sz="4000" dirty="0" smtClean="0">
-              <a:solidFill>
-                <a:srgbClr val="FF0000"/>
-              </a:solidFill>
-            </a:endParaRPr>
-          </a:p>
-          <a:p>
+              <a:t>但日本的矿产资源贫乏。</a:t>
+            </a:r>
             <a:endParaRPr lang="zh-CN" altLang="en-US" sz="4000" dirty="0">
               <a:solidFill>
                 <a:srgbClr val="FF0000"/>
               </a:solidFill>
             </a:endParaRPr>
           </a:p>
+          <a:p>
+            <a:endParaRPr lang="zh-CN" altLang="en-US" sz="4000" dirty="0">
+              <a:solidFill>
+                <a:srgbClr val="FF0000"/>
+              </a:solidFill>
+            </a:endParaRPr>
+          </a:p>
         </p:txBody>
       </p:sp>
     </p:spTree>
@@ -14517,13 +13771,6 @@
   <p:clrMapOvr>
     <a:masterClrMapping/>
   </p:clrMapOvr>
-  <p:timing>
-    <p:tnLst>
-      <p:par>
-        <p:cTn id="1" dur="indefinite" restart="never" nodeType="tmRoot"/>
-      </p:par>
-    </p:tnLst>
-  </p:timing>
 </p:sld>
 </file>
 
@@ -14778,25 +14025,7 @@
                 </a:solidFill>
                 <a:latin typeface="+mn-ea"/>
               </a:rPr>
-              <a:t>②日本主要位于温带季</a:t>
-            </a:r>
-            <a:r>
-              <a:rPr lang="zh-CN" altLang="en-US" sz="2400" b="1" dirty="0" smtClean="0">
-                <a:solidFill>
-                  <a:srgbClr val="FF0000"/>
-                </a:solidFill>
-                <a:latin typeface="+mn-ea"/>
-              </a:rPr>
-              <a:t>风和</a:t>
-            </a:r>
-            <a:r>
-              <a:rPr lang="zh-CN" altLang="en-US" sz="2400" b="1" dirty="0">
-                <a:solidFill>
-                  <a:srgbClr val="FF0000"/>
-                </a:solidFill>
-                <a:latin typeface="+mn-ea"/>
-              </a:rPr>
-              <a:t>亚热带季风气候区，降水多，河流水量大。</a:t>
+              <a:t>②日本主要位于温带季风和亚热带季风气候区，降水多，河流水量大。</a:t>
             </a:r>
           </a:p>
         </p:txBody>
@@ -14830,35 +14059,10 @@
                 </a:solidFill>
                 <a:latin typeface="+mn-ea"/>
               </a:rPr>
-              <a:t>①东</a:t>
-            </a:r>
-            <a:r>
-              <a:rPr lang="zh-CN" altLang="en-US" sz="2400" b="1" dirty="0" smtClean="0">
-                <a:solidFill>
-                  <a:srgbClr val="FF0000"/>
-                </a:solidFill>
-                <a:latin typeface="+mn-ea"/>
-              </a:rPr>
-              <a:t>京</a:t>
-            </a:r>
-            <a:r>
-              <a:rPr lang="zh-CN" altLang="en-US" sz="2400" b="1" dirty="0" smtClean="0">
-                <a:solidFill>
-                  <a:srgbClr val="FF0000"/>
-                </a:solidFill>
-                <a:latin typeface="+mn-ea"/>
-              </a:rPr>
-              <a:t>位于</a:t>
-            </a:r>
-            <a:r>
-              <a:rPr lang="zh-CN" altLang="en-US" sz="2400" b="1" dirty="0" smtClean="0">
-                <a:solidFill>
-                  <a:srgbClr val="FF0000"/>
-                </a:solidFill>
-                <a:latin typeface="+mn-ea"/>
-              </a:rPr>
-              <a:t>来</a:t>
-            </a:r>
+              <a:t>①东京位于来自太平洋的夏季风的山地迎风坡，多地形雨，所以东京夏季多雨。</a:t>
+            </a:r>
+          </a:p>
+          <a:p>
             <a:r>
               <a:rPr lang="zh-CN" altLang="en-US" sz="2400" b="1" dirty="0">
                 <a:solidFill>
@@ -14866,99 +14070,7 @@
                 </a:solidFill>
                 <a:latin typeface="+mn-ea"/>
               </a:rPr>
-              <a:t>自太平洋的夏季风</a:t>
-            </a:r>
-            <a:r>
-              <a:rPr lang="zh-CN" altLang="en-US" sz="2400" b="1" dirty="0" smtClean="0">
-                <a:solidFill>
-                  <a:srgbClr val="FF0000"/>
-                </a:solidFill>
-                <a:latin typeface="+mn-ea"/>
-              </a:rPr>
-              <a:t>的山</a:t>
-            </a:r>
-            <a:r>
-              <a:rPr lang="zh-CN" altLang="en-US" sz="2400" b="1" dirty="0">
-                <a:solidFill>
-                  <a:srgbClr val="FF0000"/>
-                </a:solidFill>
-                <a:latin typeface="+mn-ea"/>
-              </a:rPr>
-              <a:t>地迎风</a:t>
-            </a:r>
-            <a:r>
-              <a:rPr lang="zh-CN" altLang="en-US" sz="2400" b="1" dirty="0" smtClean="0">
-                <a:solidFill>
-                  <a:srgbClr val="FF0000"/>
-                </a:solidFill>
-                <a:latin typeface="+mn-ea"/>
-              </a:rPr>
-              <a:t>坡，多地形雨，</a:t>
-            </a:r>
-            <a:r>
-              <a:rPr lang="zh-CN" altLang="en-US" sz="2400" b="1" dirty="0">
-                <a:solidFill>
-                  <a:srgbClr val="FF0000"/>
-                </a:solidFill>
-                <a:latin typeface="+mn-ea"/>
-              </a:rPr>
-              <a:t>所以东京夏季多雨。</a:t>
-            </a:r>
-          </a:p>
-          <a:p>
-            <a:r>
-              <a:rPr lang="zh-CN" altLang="en-US" sz="2400" b="1" dirty="0" smtClean="0">
-                <a:solidFill>
-                  <a:srgbClr val="FF0000"/>
-                </a:solidFill>
-                <a:latin typeface="+mn-ea"/>
-              </a:rPr>
-              <a:t>②冬</a:t>
-            </a:r>
-            <a:r>
-              <a:rPr lang="zh-CN" altLang="en-US" sz="2400" b="1" dirty="0">
-                <a:solidFill>
-                  <a:srgbClr val="FF0000"/>
-                </a:solidFill>
-                <a:latin typeface="+mn-ea"/>
-              </a:rPr>
-              <a:t>季风经过日本</a:t>
-            </a:r>
-            <a:r>
-              <a:rPr lang="zh-CN" altLang="en-US" sz="2400" b="1" dirty="0" smtClean="0">
-                <a:solidFill>
-                  <a:srgbClr val="FF0000"/>
-                </a:solidFill>
-                <a:latin typeface="+mn-ea"/>
-              </a:rPr>
-              <a:t>海，</a:t>
-            </a:r>
-            <a:r>
-              <a:rPr lang="zh-CN" altLang="en-US" sz="2400" b="1" dirty="0">
-                <a:solidFill>
-                  <a:srgbClr val="FF0000"/>
-                </a:solidFill>
-                <a:latin typeface="+mn-ea"/>
-              </a:rPr>
-              <a:t>带来大量水汽，</a:t>
-            </a:r>
-            <a:r>
-              <a:rPr lang="zh-CN" altLang="en-US" sz="2400" b="1" dirty="0" smtClean="0">
-                <a:solidFill>
-                  <a:srgbClr val="FF0000"/>
-                </a:solidFill>
-                <a:latin typeface="+mn-ea"/>
-              </a:rPr>
-              <a:t>在西侧山</a:t>
-            </a:r>
-            <a:r>
-              <a:rPr lang="zh-CN" altLang="en-US" sz="2400" b="1" dirty="0">
-                <a:solidFill>
-                  <a:srgbClr val="FF0000"/>
-                </a:solidFill>
-                <a:latin typeface="+mn-ea"/>
-              </a:rPr>
-              <a:t>地迎风坡形成降水，所以新潟冬季多雪。</a:t>
+              <a:t>②冬季风经过日本海，带来大量水汽，在西侧山地迎风坡形成降水，所以新潟冬季多雪。</a:t>
             </a:r>
           </a:p>
         </p:txBody>
@@ -15380,7 +14492,7 @@
   <a:extraClrSchemeLst/>
   <a:extLst>
     <a:ext uri="{05A4C25C-085E-4340-85A3-A5531E510DB2}">
-      <thm15:themeFamily xmlns="" xmlns:thm15="http://schemas.microsoft.com/office/thememl/2012/main" name="Office Theme" id="{62F939B6-93AF-4DB8-9C6B-D6C7DFDC589F}" vid="{4A3C46E8-61CC-4603-A589-7422A47A8E4A}"/>
+      <thm15:themeFamily xmlns:thm15="http://schemas.microsoft.com/office/thememl/2012/main" name="Office Theme" id="{62F939B6-93AF-4DB8-9C6B-D6C7DFDC589F}" vid="{4A3C46E8-61CC-4603-A589-7422A47A8E4A}"/>
     </a:ext>
   </a:extLst>
 </a:theme>

--- a/课件/地理/八下/七下总复习/8-1日本埃及/3.八年级总复习七下8-1日本8-2埃及课件导学案/八年级总复习七下8-1日本埃及 复习.pptx
+++ b/课件/地理/八下/七下总复习/8-1日本埃及/3.八年级总复习七下8-1日本8-2埃及课件导学案/八年级总复习七下8-1日本埃及 复习.pptx
@@ -272,7 +272,7 @@
             <a:fld id="{D997B5FA-0921-464F-AAE1-844C04324D75}" type="datetimeFigureOut">
               <a:rPr lang="zh-CN" altLang="en-US" smtClean="0"/>
               <a:pPr/>
-              <a:t>2020/3/30</a:t>
+              <a:t>2020/4/26</a:t>
             </a:fld>
             <a:endParaRPr lang="zh-CN" altLang="en-US"/>
           </a:p>
@@ -437,7 +437,7 @@
             <a:fld id="{D997B5FA-0921-464F-AAE1-844C04324D75}" type="datetimeFigureOut">
               <a:rPr lang="zh-CN" altLang="en-US" smtClean="0"/>
               <a:pPr/>
-              <a:t>2020/3/30</a:t>
+              <a:t>2020/4/26</a:t>
             </a:fld>
             <a:endParaRPr lang="zh-CN" altLang="en-US"/>
           </a:p>
@@ -612,7 +612,7 @@
             <a:fld id="{D997B5FA-0921-464F-AAE1-844C04324D75}" type="datetimeFigureOut">
               <a:rPr lang="zh-CN" altLang="en-US" smtClean="0"/>
               <a:pPr/>
-              <a:t>2020/3/30</a:t>
+              <a:t>2020/4/26</a:t>
             </a:fld>
             <a:endParaRPr lang="zh-CN" altLang="en-US"/>
           </a:p>
@@ -777,7 +777,7 @@
             <a:fld id="{D997B5FA-0921-464F-AAE1-844C04324D75}" type="datetimeFigureOut">
               <a:rPr lang="zh-CN" altLang="en-US" smtClean="0"/>
               <a:pPr/>
-              <a:t>2020/3/30</a:t>
+              <a:t>2020/4/26</a:t>
             </a:fld>
             <a:endParaRPr lang="zh-CN" altLang="en-US"/>
           </a:p>
@@ -1019,7 +1019,7 @@
             <a:fld id="{D997B5FA-0921-464F-AAE1-844C04324D75}" type="datetimeFigureOut">
               <a:rPr lang="zh-CN" altLang="en-US" smtClean="0"/>
               <a:pPr/>
-              <a:t>2020/3/30</a:t>
+              <a:t>2020/4/26</a:t>
             </a:fld>
             <a:endParaRPr lang="zh-CN" altLang="en-US"/>
           </a:p>
@@ -1245,7 +1245,7 @@
             <a:fld id="{D997B5FA-0921-464F-AAE1-844C04324D75}" type="datetimeFigureOut">
               <a:rPr lang="zh-CN" altLang="en-US" smtClean="0"/>
               <a:pPr/>
-              <a:t>2020/3/30</a:t>
+              <a:t>2020/4/26</a:t>
             </a:fld>
             <a:endParaRPr lang="zh-CN" altLang="en-US"/>
           </a:p>
@@ -1606,7 +1606,7 @@
             <a:fld id="{D997B5FA-0921-464F-AAE1-844C04324D75}" type="datetimeFigureOut">
               <a:rPr lang="zh-CN" altLang="en-US" smtClean="0"/>
               <a:pPr/>
-              <a:t>2020/3/30</a:t>
+              <a:t>2020/4/26</a:t>
             </a:fld>
             <a:endParaRPr lang="zh-CN" altLang="en-US"/>
           </a:p>
@@ -1720,7 +1720,7 @@
             <a:fld id="{D997B5FA-0921-464F-AAE1-844C04324D75}" type="datetimeFigureOut">
               <a:rPr lang="zh-CN" altLang="en-US" smtClean="0"/>
               <a:pPr/>
-              <a:t>2020/3/30</a:t>
+              <a:t>2020/4/26</a:t>
             </a:fld>
             <a:endParaRPr lang="zh-CN" altLang="en-US"/>
           </a:p>
@@ -1812,7 +1812,7 @@
             <a:fld id="{D997B5FA-0921-464F-AAE1-844C04324D75}" type="datetimeFigureOut">
               <a:rPr lang="zh-CN" altLang="en-US" smtClean="0"/>
               <a:pPr/>
-              <a:t>2020/3/30</a:t>
+              <a:t>2020/4/26</a:t>
             </a:fld>
             <a:endParaRPr lang="zh-CN" altLang="en-US"/>
           </a:p>
@@ -2084,7 +2084,7 @@
             <a:fld id="{D997B5FA-0921-464F-AAE1-844C04324D75}" type="datetimeFigureOut">
               <a:rPr lang="zh-CN" altLang="en-US" smtClean="0"/>
               <a:pPr/>
-              <a:t>2020/3/30</a:t>
+              <a:t>2020/4/26</a:t>
             </a:fld>
             <a:endParaRPr lang="zh-CN" altLang="en-US"/>
           </a:p>
@@ -2333,7 +2333,7 @@
             <a:fld id="{D997B5FA-0921-464F-AAE1-844C04324D75}" type="datetimeFigureOut">
               <a:rPr lang="zh-CN" altLang="en-US" smtClean="0"/>
               <a:pPr/>
-              <a:t>2020/3/30</a:t>
+              <a:t>2020/4/26</a:t>
             </a:fld>
             <a:endParaRPr lang="zh-CN" altLang="en-US"/>
           </a:p>
@@ -2541,7 +2541,7 @@
             <a:fld id="{D997B5FA-0921-464F-AAE1-844C04324D75}" type="datetimeFigureOut">
               <a:rPr lang="zh-CN" altLang="en-US" smtClean="0"/>
               <a:pPr/>
-              <a:t>2020/3/30</a:t>
+              <a:t>2020/4/26</a:t>
             </a:fld>
             <a:endParaRPr lang="zh-CN" altLang="en-US"/>
           </a:p>
@@ -3377,7 +3377,7 @@
         </p:nvSpPr>
         <p:spPr>
           <a:xfrm>
-            <a:off x="4868228" y="4785995"/>
+            <a:off x="4841595" y="4342112"/>
             <a:ext cx="1837690" cy="460375"/>
           </a:xfrm>
           <a:prstGeom prst="rect">
@@ -3433,7 +3433,7 @@
         </p:nvSpPr>
         <p:spPr>
           <a:xfrm>
-            <a:off x="1888172" y="5586730"/>
+            <a:off x="1801971" y="5083493"/>
             <a:ext cx="2316480" cy="460375"/>
           </a:xfrm>
           <a:prstGeom prst="rect">
@@ -3478,7 +3478,7 @@
         </p:nvSpPr>
         <p:spPr>
           <a:xfrm>
-            <a:off x="5096827" y="5543868"/>
+            <a:off x="4972405" y="5089981"/>
             <a:ext cx="1706880" cy="460375"/>
           </a:xfrm>
           <a:prstGeom prst="rect">
@@ -4867,7 +4867,7 @@
         </p:nvSpPr>
         <p:spPr>
           <a:xfrm>
-            <a:off x="1722762" y="2175510"/>
+            <a:off x="1822291" y="2193746"/>
             <a:ext cx="1415415" cy="460375"/>
           </a:xfrm>
           <a:prstGeom prst="rect">
@@ -4900,7 +4900,7 @@
         </p:nvSpPr>
         <p:spPr>
           <a:xfrm>
-            <a:off x="3465830" y="2578735"/>
+            <a:off x="3465830" y="2689613"/>
             <a:ext cx="487680" cy="460375"/>
           </a:xfrm>
           <a:prstGeom prst="rect">
@@ -4915,7 +4915,7 @@
           <a:lstStyle/>
           <a:p>
             <a:r>
-              <a:rPr lang="zh-CN" altLang="en-US" sz="2400" b="1">
+              <a:rPr lang="zh-CN" altLang="en-US" sz="2400" b="1" dirty="0">
                 <a:solidFill>
                   <a:srgbClr val="FF0000"/>
                 </a:solidFill>
@@ -4933,7 +4933,7 @@
         </p:nvSpPr>
         <p:spPr>
           <a:xfrm>
-            <a:off x="5104130" y="2578735"/>
+            <a:off x="5104130" y="2669151"/>
             <a:ext cx="487680" cy="460375"/>
           </a:xfrm>
           <a:prstGeom prst="rect">
@@ -4948,7 +4948,7 @@
           <a:lstStyle/>
           <a:p>
             <a:r>
-              <a:rPr lang="zh-CN" altLang="en-US" sz="2400" b="1">
+              <a:rPr lang="zh-CN" altLang="en-US" sz="2400" b="1" dirty="0">
                 <a:solidFill>
                   <a:srgbClr val="FF0000"/>
                 </a:solidFill>
@@ -4966,7 +4966,7 @@
         </p:nvSpPr>
         <p:spPr>
           <a:xfrm>
-            <a:off x="1976120" y="3499485"/>
+            <a:off x="1823720" y="3597274"/>
             <a:ext cx="792480" cy="460375"/>
           </a:xfrm>
           <a:prstGeom prst="rect">
@@ -4981,7 +4981,7 @@
           <a:lstStyle/>
           <a:p>
             <a:r>
-              <a:rPr lang="zh-CN" altLang="en-US" sz="2400" b="1">
+              <a:rPr lang="zh-CN" altLang="en-US" sz="2400" b="1" dirty="0">
                 <a:solidFill>
                   <a:srgbClr val="FF0000"/>
                 </a:solidFill>
@@ -4999,7 +4999,7 @@
         </p:nvSpPr>
         <p:spPr>
           <a:xfrm>
-            <a:off x="2128520" y="3039110"/>
+            <a:off x="2128520" y="3108563"/>
             <a:ext cx="487680" cy="460375"/>
           </a:xfrm>
           <a:prstGeom prst="rect">
@@ -5014,7 +5014,7 @@
           <a:lstStyle/>
           <a:p>
             <a:r>
-              <a:rPr lang="zh-CN" altLang="en-US" sz="2400" b="1">
+              <a:rPr lang="zh-CN" altLang="en-US" sz="2400" b="1" dirty="0">
                 <a:solidFill>
                   <a:srgbClr val="FF0000"/>
                 </a:solidFill>
@@ -5032,7 +5032,7 @@
         </p:nvSpPr>
         <p:spPr>
           <a:xfrm>
-            <a:off x="5104130" y="3039110"/>
+            <a:off x="5104130" y="3136899"/>
             <a:ext cx="1097280" cy="460375"/>
           </a:xfrm>
           <a:prstGeom prst="rect">
@@ -5047,7 +5047,7 @@
           <a:lstStyle/>
           <a:p>
             <a:r>
-              <a:rPr lang="zh-CN" altLang="en-US" sz="2400" b="1">
+              <a:rPr lang="zh-CN" altLang="en-US" sz="2400" b="1" dirty="0">
                 <a:solidFill>
                   <a:srgbClr val="FF0000"/>
                 </a:solidFill>
@@ -5065,7 +5065,7 @@
         </p:nvSpPr>
         <p:spPr>
           <a:xfrm>
-            <a:off x="3465830" y="3959860"/>
+            <a:off x="3312327" y="4050982"/>
             <a:ext cx="1402080" cy="460375"/>
           </a:xfrm>
           <a:prstGeom prst="rect">
@@ -5080,7 +5080,7 @@
           <a:lstStyle/>
           <a:p>
             <a:r>
-              <a:rPr lang="zh-CN" altLang="en-US" sz="2400" b="1">
+              <a:rPr lang="zh-CN" altLang="en-US" sz="2400" b="1" dirty="0">
                 <a:solidFill>
                   <a:srgbClr val="FF0000"/>
                 </a:solidFill>
@@ -5098,7 +5098,7 @@
         </p:nvSpPr>
         <p:spPr>
           <a:xfrm>
-            <a:off x="4714240" y="4420235"/>
+            <a:off x="4722163" y="4493793"/>
             <a:ext cx="975360" cy="460375"/>
           </a:xfrm>
           <a:prstGeom prst="rect">
@@ -5113,7 +5113,7 @@
           <a:lstStyle/>
           <a:p>
             <a:r>
-              <a:rPr lang="zh-CN" altLang="en-US" sz="2400" b="1">
+              <a:rPr lang="zh-CN" altLang="en-US" sz="2400" b="1" dirty="0">
                 <a:solidFill>
                   <a:srgbClr val="FF0000"/>
                 </a:solidFill>
@@ -5131,7 +5131,7 @@
         </p:nvSpPr>
         <p:spPr>
           <a:xfrm>
-            <a:off x="2768600" y="4880610"/>
+            <a:off x="2684441" y="4954168"/>
             <a:ext cx="1415772" cy="461665"/>
           </a:xfrm>
           <a:prstGeom prst="rect">
@@ -6060,7 +6060,7 @@
         </p:nvSpPr>
         <p:spPr>
           <a:xfrm>
-            <a:off x="3081020" y="1423035"/>
+            <a:off x="3233420" y="1517967"/>
             <a:ext cx="1097280" cy="460375"/>
           </a:xfrm>
           <a:prstGeom prst="rect">
@@ -6075,7 +6075,7 @@
           <a:lstStyle/>
           <a:p>
             <a:r>
-              <a:rPr lang="zh-CN" altLang="en-US" sz="2400" b="1">
+              <a:rPr lang="zh-CN" altLang="en-US" sz="2400" b="1" dirty="0">
                 <a:solidFill>
                   <a:srgbClr val="FF0000"/>
                 </a:solidFill>
@@ -6126,7 +6126,7 @@
         </p:nvSpPr>
         <p:spPr>
           <a:xfrm>
-            <a:off x="838200" y="3180080"/>
+            <a:off x="838200" y="3265794"/>
             <a:ext cx="3877985" cy="461665"/>
           </a:xfrm>
           <a:prstGeom prst="rect">
@@ -6191,7 +6191,7 @@
         </p:nvSpPr>
         <p:spPr>
           <a:xfrm>
-            <a:off x="2528570" y="3994785"/>
+            <a:off x="2489218" y="4054637"/>
             <a:ext cx="792480" cy="460375"/>
           </a:xfrm>
           <a:prstGeom prst="rect">
@@ -6206,7 +6206,7 @@
           <a:lstStyle/>
           <a:p>
             <a:r>
-              <a:rPr lang="zh-CN" altLang="en-US" sz="2400" b="1">
+              <a:rPr lang="zh-CN" altLang="en-US" sz="2400" b="1" dirty="0">
                 <a:solidFill>
                   <a:srgbClr val="FF0000"/>
                 </a:solidFill>
@@ -6224,7 +6224,7 @@
         </p:nvSpPr>
         <p:spPr>
           <a:xfrm>
-            <a:off x="4893310" y="3994785"/>
+            <a:off x="4798713" y="4054636"/>
             <a:ext cx="487680" cy="460375"/>
           </a:xfrm>
           <a:prstGeom prst="rect">
@@ -6239,7 +6239,7 @@
           <a:lstStyle/>
           <a:p>
             <a:r>
-              <a:rPr lang="zh-CN" altLang="en-US" sz="2400" b="1">
+              <a:rPr lang="zh-CN" altLang="en-US" sz="2400" b="1" dirty="0">
                 <a:solidFill>
                   <a:srgbClr val="FF0000"/>
                 </a:solidFill>
@@ -7667,7 +7667,7 @@
         </p:nvSpPr>
         <p:spPr>
           <a:xfrm>
-            <a:off x="2847975" y="4181475"/>
+            <a:off x="3068485" y="4227736"/>
             <a:ext cx="792480" cy="460375"/>
           </a:xfrm>
           <a:prstGeom prst="rect">
@@ -7683,7 +7683,7 @@
           <a:p>
             <a:pPr algn="l"/>
             <a:r>
-              <a:rPr lang="zh-CN" sz="2400" b="1">
+              <a:rPr lang="zh-CN" sz="2400" b="1" dirty="0">
                 <a:solidFill>
                   <a:srgbClr val="FF0000"/>
                 </a:solidFill>
@@ -7693,7 +7693,7 @@
               </a:rPr>
               <a:t>石油</a:t>
             </a:r>
-            <a:endParaRPr lang="zh-CN" altLang="en-US" sz="2400" b="1">
+            <a:endParaRPr lang="zh-CN" altLang="en-US" sz="2400" b="1" dirty="0">
               <a:solidFill>
                 <a:srgbClr val="FF0000"/>
               </a:solidFill>
@@ -7778,7 +7778,7 @@
         </p:nvSpPr>
         <p:spPr>
           <a:xfrm>
-            <a:off x="2957518" y="5417820"/>
+            <a:off x="3015023" y="5381803"/>
             <a:ext cx="1402080" cy="460375"/>
           </a:xfrm>
           <a:prstGeom prst="rect">
@@ -7844,7 +7844,7 @@
         </p:nvSpPr>
         <p:spPr>
           <a:xfrm>
-            <a:off x="1074738" y="5978525"/>
+            <a:off x="1100773" y="6049962"/>
             <a:ext cx="1402080" cy="460375"/>
           </a:xfrm>
           <a:prstGeom prst="rect">
@@ -7877,7 +7877,7 @@
         </p:nvSpPr>
         <p:spPr>
           <a:xfrm>
-            <a:off x="3640455" y="6007100"/>
+            <a:off x="3691418" y="6060814"/>
             <a:ext cx="1402080" cy="460375"/>
           </a:xfrm>
           <a:prstGeom prst="rect">
@@ -7892,7 +7892,7 @@
           <a:lstStyle/>
           <a:p>
             <a:r>
-              <a:rPr lang="zh-CN" altLang="en-US" sz="2400" b="1">
+              <a:rPr lang="zh-CN" altLang="en-US" sz="2400" b="1" dirty="0">
                 <a:solidFill>
                   <a:srgbClr val="FF0000"/>
                 </a:solidFill>
@@ -9950,7 +9950,7 @@
                             </p:stCondLst>
                             <p:childTnLst>
                               <p:par>
-                                <p:cTn id="10" presetID="22" presetClass="entr" presetSubtype="8" fill="hold" nodeType="clickEffect">
+                                <p:cTn id="10" presetID="22" presetClass="entr" presetSubtype="4" fill="hold" nodeType="clickEffect">
                                   <p:stCondLst>
                                     <p:cond delay="0"/>
                                   </p:stCondLst>
@@ -9963,9 +9963,9 @@
                                           </p:stCondLst>
                                         </p:cTn>
                                         <p:tgtEl>
-                                          <p:spTgt spid="2">
+                                          <p:spTgt spid="3">
                                             <p:txEl>
-                                              <p:pRg st="0" end="0"/>
+                                              <p:pRg st="5" end="5"/>
                                             </p:txEl>
                                           </p:spTgt>
                                         </p:tgtEl>
@@ -9977,13 +9977,13 @@
                                         <p:strVal val="visible"/>
                                       </p:to>
                                     </p:set>
-                                    <p:animEffect transition="in" filter="wipe(left)">
+                                    <p:animEffect transition="in" filter="wipe(down)">
                                       <p:cBhvr>
                                         <p:cTn id="12" dur="500"/>
                                         <p:tgtEl>
-                                          <p:spTgt spid="2">
+                                          <p:spTgt spid="3">
                                             <p:txEl>
-                                              <p:pRg st="0" end="0"/>
+                                              <p:pRg st="5" end="5"/>
                                             </p:txEl>
                                           </p:spTgt>
                                         </p:tgtEl>
@@ -10026,7 +10026,7 @@
                                         <p:tgtEl>
                                           <p:spTgt spid="2">
                                             <p:txEl>
-                                              <p:pRg st="1" end="1"/>
+                                              <p:pRg st="0" end="0"/>
                                             </p:txEl>
                                           </p:spTgt>
                                         </p:tgtEl>
@@ -10044,7 +10044,7 @@
                                         <p:tgtEl>
                                           <p:spTgt spid="2">
                                             <p:txEl>
-                                              <p:pRg st="1" end="1"/>
+                                              <p:pRg st="0" end="0"/>
                                             </p:txEl>
                                           </p:spTgt>
                                         </p:tgtEl>
@@ -10087,7 +10087,7 @@
                                         <p:tgtEl>
                                           <p:spTgt spid="2">
                                             <p:txEl>
-                                              <p:pRg st="3" end="3"/>
+                                              <p:pRg st="1" end="1"/>
                                             </p:txEl>
                                           </p:spTgt>
                                         </p:tgtEl>
@@ -10105,7 +10105,7 @@
                                         <p:tgtEl>
                                           <p:spTgt spid="2">
                                             <p:txEl>
-                                              <p:pRg st="3" end="3"/>
+                                              <p:pRg st="1" end="1"/>
                                             </p:txEl>
                                           </p:spTgt>
                                         </p:tgtEl>
@@ -10148,6 +10148,67 @@
                                         <p:tgtEl>
                                           <p:spTgt spid="2">
                                             <p:txEl>
+                                              <p:pRg st="3" end="3"/>
+                                            </p:txEl>
+                                          </p:spTgt>
+                                        </p:tgtEl>
+                                        <p:attrNameLst>
+                                          <p:attrName>style.visibility</p:attrName>
+                                        </p:attrNameLst>
+                                      </p:cBhvr>
+                                      <p:to>
+                                        <p:strVal val="visible"/>
+                                      </p:to>
+                                    </p:set>
+                                    <p:animEffect transition="in" filter="wipe(left)">
+                                      <p:cBhvr>
+                                        <p:cTn id="27" dur="500"/>
+                                        <p:tgtEl>
+                                          <p:spTgt spid="2">
+                                            <p:txEl>
+                                              <p:pRg st="3" end="3"/>
+                                            </p:txEl>
+                                          </p:spTgt>
+                                        </p:tgtEl>
+                                      </p:cBhvr>
+                                    </p:animEffect>
+                                  </p:childTnLst>
+                                </p:cTn>
+                              </p:par>
+                            </p:childTnLst>
+                          </p:cTn>
+                        </p:par>
+                      </p:childTnLst>
+                    </p:cTn>
+                  </p:par>
+                  <p:par>
+                    <p:cTn id="28" fill="hold">
+                      <p:stCondLst>
+                        <p:cond delay="indefinite"/>
+                      </p:stCondLst>
+                      <p:childTnLst>
+                        <p:par>
+                          <p:cTn id="29" fill="hold">
+                            <p:stCondLst>
+                              <p:cond delay="0"/>
+                            </p:stCondLst>
+                            <p:childTnLst>
+                              <p:par>
+                                <p:cTn id="30" presetID="22" presetClass="entr" presetSubtype="8" fill="hold" nodeType="clickEffect">
+                                  <p:stCondLst>
+                                    <p:cond delay="0"/>
+                                  </p:stCondLst>
+                                  <p:childTnLst>
+                                    <p:set>
+                                      <p:cBhvr>
+                                        <p:cTn id="31" dur="1" fill="hold">
+                                          <p:stCondLst>
+                                            <p:cond delay="0"/>
+                                          </p:stCondLst>
+                                        </p:cTn>
+                                        <p:tgtEl>
+                                          <p:spTgt spid="2">
+                                            <p:txEl>
                                               <p:pRg st="4" end="4"/>
                                             </p:txEl>
                                           </p:spTgt>
@@ -10162,7 +10223,7 @@
                                     </p:set>
                                     <p:animEffect transition="in" filter="wipe(left)">
                                       <p:cBhvr>
-                                        <p:cTn id="27" dur="500"/>
+                                        <p:cTn id="32" dur="500"/>
                                         <p:tgtEl>
                                           <p:spTgt spid="2">
                                             <p:txEl>
@@ -10316,111 +10377,111 @@
               </a:lnSpc>
             </a:pPr>
             <a:r>
-              <a:rPr lang="zh-CN" sz="2400" b="1">
+              <a:rPr lang="zh-CN" sz="2400" b="1" dirty="0">
                 <a:latin typeface="+mn-ea"/>
                 <a:cs typeface="+mn-ea"/>
               </a:rPr>
               <a:t>1.组成：主要由</a:t>
             </a:r>
             <a:r>
-              <a:rPr lang="en-US" sz="2400" b="1">
+              <a:rPr lang="en-US" sz="2400" b="1" dirty="0">
                 <a:latin typeface="+mn-ea"/>
                 <a:cs typeface="+mn-ea"/>
               </a:rPr>
               <a:t>①</a:t>
             </a:r>
             <a:r>
-              <a:rPr lang="en-US" sz="2400" b="1" u="sng">
-                <a:latin typeface="+mn-ea"/>
-                <a:cs typeface="+mn-ea"/>
-              </a:rPr>
-              <a:t>             </a:t>
-            </a:r>
-            <a:r>
-              <a:rPr lang="zh-CN" altLang="en-US" sz="2400" b="1">
+              <a:rPr lang="en-US" sz="2400" b="1" u="sng" dirty="0">
+                <a:latin typeface="+mn-ea"/>
+                <a:cs typeface="+mn-ea"/>
+              </a:rPr>
+              <a:t>               </a:t>
+            </a:r>
+            <a:r>
+              <a:rPr lang="zh-CN" altLang="en-US" sz="2400" b="1" dirty="0">
                 <a:latin typeface="+mn-ea"/>
                 <a:cs typeface="+mn-ea"/>
               </a:rPr>
               <a:t>，</a:t>
             </a:r>
             <a:r>
-              <a:rPr lang="en-US" sz="2400" b="1">
+              <a:rPr lang="en-US" sz="2400" b="1" dirty="0">
                 <a:latin typeface="+mn-ea"/>
                 <a:cs typeface="+mn-ea"/>
               </a:rPr>
               <a:t>②</a:t>
             </a:r>
             <a:r>
-              <a:rPr lang="en-US" sz="2400" b="1" u="sng">
+              <a:rPr lang="en-US" sz="2400" b="1" u="sng" dirty="0">
                 <a:latin typeface="+mn-ea"/>
                 <a:cs typeface="+mn-ea"/>
               </a:rPr>
               <a:t>          </a:t>
             </a:r>
             <a:r>
-              <a:rPr lang="zh-CN" sz="2400" b="1" u="sng">
+              <a:rPr lang="zh-CN" sz="2400" b="1" u="sng" dirty="0">
                 <a:latin typeface="+mn-ea"/>
                 <a:cs typeface="+mn-ea"/>
               </a:rPr>
               <a:t>（面积最大</a:t>
             </a:r>
             <a:r>
-              <a:rPr lang="zh-CN" sz="2400" b="1">
+              <a:rPr lang="zh-CN" sz="2400" b="1" dirty="0">
                 <a:latin typeface="+mn-ea"/>
                 <a:cs typeface="+mn-ea"/>
               </a:rPr>
               <a:t>，有首都</a:t>
             </a:r>
             <a:r>
-              <a:rPr lang="en-US" sz="2400" b="1">
+              <a:rPr lang="en-US" sz="2400" b="1" dirty="0">
                 <a:latin typeface="+mn-ea"/>
                 <a:cs typeface="+mn-ea"/>
               </a:rPr>
               <a:t>:a</a:t>
             </a:r>
             <a:r>
-              <a:rPr lang="en-US" sz="2400" b="1" u="sng">
+              <a:rPr lang="en-US" sz="2400" b="1" u="sng" dirty="0">
                 <a:latin typeface="+mn-ea"/>
                 <a:cs typeface="+mn-ea"/>
               </a:rPr>
               <a:t>          </a:t>
             </a:r>
             <a:r>
-              <a:rPr lang="zh-CN" sz="2400" b="1" u="sng">
+              <a:rPr lang="zh-CN" sz="2400" b="1" u="sng" dirty="0">
                 <a:latin typeface="+mn-ea"/>
                 <a:cs typeface="+mn-ea"/>
               </a:rPr>
               <a:t>）</a:t>
             </a:r>
             <a:r>
-              <a:rPr lang="zh-CN" sz="2400" b="1">
+              <a:rPr lang="zh-CN" sz="2400" b="1" dirty="0">
                 <a:latin typeface="+mn-ea"/>
                 <a:cs typeface="+mn-ea"/>
               </a:rPr>
               <a:t>，</a:t>
             </a:r>
             <a:r>
-              <a:rPr lang="en-US" sz="2400" b="1">
+              <a:rPr lang="en-US" sz="2400" b="1" dirty="0">
                 <a:latin typeface="+mn-ea"/>
                 <a:cs typeface="+mn-ea"/>
               </a:rPr>
               <a:t>③</a:t>
             </a:r>
             <a:r>
-              <a:rPr lang="en-US" sz="2400" b="1" u="sng">
+              <a:rPr lang="en-US" sz="2400" b="1" u="sng" dirty="0">
                 <a:latin typeface="+mn-ea"/>
                 <a:cs typeface="+mn-ea"/>
               </a:rPr>
               <a:t>            </a:t>
             </a:r>
             <a:r>
-              <a:rPr lang="zh-CN" altLang="en-US" sz="2400" b="1">
+              <a:rPr lang="zh-CN" altLang="en-US" sz="2400" b="1" dirty="0">
                 <a:latin typeface="+mn-ea"/>
                 <a:cs typeface="+mn-ea"/>
               </a:rPr>
               <a:t>，</a:t>
             </a:r>
-            <a:endParaRPr lang="en-US" sz="2400" b="1" u="sng">
+            <a:endParaRPr lang="en-US" sz="2400" b="1" u="sng" dirty="0">
               <a:latin typeface="+mn-ea"/>
               <a:cs typeface="+mn-ea"/>
             </a:endParaRPr>
@@ -10432,21 +10493,21 @@
               </a:lnSpc>
             </a:pPr>
             <a:r>
-              <a:rPr lang="en-US" sz="2400" b="1">
+              <a:rPr lang="en-US" sz="2400" b="1" dirty="0">
                 <a:latin typeface="+mn-ea"/>
                 <a:cs typeface="+mn-ea"/>
               </a:rPr>
               <a:t>④</a:t>
             </a:r>
             <a:r>
-              <a:rPr lang="en-US" sz="2400" b="1" u="sng">
+              <a:rPr lang="en-US" sz="2400" b="1" u="sng" dirty="0">
                 <a:latin typeface="+mn-ea"/>
                 <a:cs typeface="+mn-ea"/>
               </a:rPr>
               <a:t>              </a:t>
             </a:r>
             <a:r>
-              <a:rPr lang="zh-CN" sz="2400" b="1">
+              <a:rPr lang="zh-CN" sz="2400" b="1" dirty="0">
                 <a:latin typeface="+mn-ea"/>
                 <a:cs typeface="+mn-ea"/>
               </a:rPr>
@@ -10460,7 +10521,7 @@
               </a:lnSpc>
             </a:pPr>
             <a:r>
-              <a:rPr lang="zh-CN" sz="2400" b="1">
+              <a:rPr lang="zh-CN" sz="2400" b="1" dirty="0">
                 <a:latin typeface="+mn-ea"/>
                 <a:cs typeface="+mn-ea"/>
               </a:rPr>
@@ -10474,7 +10535,7 @@
               </a:lnSpc>
             </a:pPr>
             <a:r>
-              <a:rPr lang="zh-CN" sz="2400" b="1">
+              <a:rPr lang="zh-CN" sz="2400" b="1" dirty="0">
                 <a:latin typeface="+mn-ea"/>
                 <a:cs typeface="+mn-ea"/>
               </a:rPr>
@@ -10488,20 +10549,20 @@
               </a:lnSpc>
             </a:pPr>
             <a:r>
-              <a:rPr lang="zh-CN" sz="2400" b="1" u="sng">
+              <a:rPr lang="zh-CN" sz="2400" b="1" u="sng" dirty="0">
                 <a:latin typeface="+mn-ea"/>
                 <a:cs typeface="+mn-ea"/>
               </a:rPr>
               <a:t>               </a:t>
             </a:r>
             <a:r>
-              <a:rPr lang="zh-CN" sz="2400" b="1">
+              <a:rPr lang="zh-CN" sz="2400" b="1" dirty="0">
                 <a:latin typeface="+mn-ea"/>
                 <a:cs typeface="+mn-ea"/>
               </a:rPr>
               <a:t>。</a:t>
             </a:r>
-            <a:endParaRPr lang="en-US" sz="2400" b="1">
+            <a:endParaRPr lang="en-US" sz="2400" b="1" dirty="0">
               <a:latin typeface="+mn-ea"/>
               <a:cs typeface="+mn-ea"/>
             </a:endParaRPr>
@@ -10513,83 +10574,83 @@
               </a:lnSpc>
             </a:pPr>
             <a:r>
-              <a:rPr lang="zh-CN" sz="2400" b="1">
+              <a:rPr lang="zh-CN" sz="2400" b="1" dirty="0">
                 <a:latin typeface="+mn-ea"/>
                 <a:cs typeface="+mn-ea"/>
               </a:rPr>
               <a:t>海陆位置：位于亚洲东部，东临太平洋，西隔日本海与</a:t>
             </a:r>
             <a:r>
-              <a:rPr lang="en-US" sz="2400" b="1">
+              <a:rPr lang="en-US" sz="2400" b="1" dirty="0">
                 <a:latin typeface="+mn-ea"/>
                 <a:cs typeface="+mn-ea"/>
               </a:rPr>
               <a:t>A</a:t>
             </a:r>
             <a:r>
-              <a:rPr lang="en-US" sz="2400" b="1" u="sng">
+              <a:rPr lang="en-US" sz="2400" b="1" u="sng" dirty="0">
                 <a:latin typeface="+mn-ea"/>
                 <a:cs typeface="+mn-ea"/>
               </a:rPr>
               <a:t>             </a:t>
             </a:r>
             <a:r>
-              <a:rPr lang="en-US" sz="2400" b="1">
+              <a:rPr lang="en-US" sz="2400" b="1" dirty="0">
                 <a:latin typeface="+mn-ea"/>
                 <a:cs typeface="+mn-ea"/>
               </a:rPr>
               <a:t>B</a:t>
             </a:r>
             <a:r>
-              <a:rPr lang="en-US" sz="2400" b="1" u="sng">
+              <a:rPr lang="en-US" sz="2400" b="1" u="sng" dirty="0">
                 <a:latin typeface="+mn-ea"/>
                 <a:cs typeface="+mn-ea"/>
               </a:rPr>
               <a:t>          </a:t>
             </a:r>
             <a:r>
-              <a:rPr lang="en-US" sz="2400" b="1">
+              <a:rPr lang="en-US" sz="2400" b="1" dirty="0">
                 <a:latin typeface="+mn-ea"/>
                 <a:cs typeface="+mn-ea"/>
               </a:rPr>
               <a:t>C</a:t>
             </a:r>
             <a:r>
-              <a:rPr lang="en-US" sz="2400" b="1" u="sng">
+              <a:rPr lang="en-US" sz="2400" b="1" u="sng" dirty="0">
                 <a:latin typeface="+mn-ea"/>
                 <a:cs typeface="+mn-ea"/>
               </a:rPr>
               <a:t>          </a:t>
             </a:r>
             <a:r>
-              <a:rPr lang="en-US" sz="2400" b="1">
+              <a:rPr lang="en-US" sz="2400" b="1" dirty="0">
                 <a:latin typeface="+mn-ea"/>
                 <a:cs typeface="+mn-ea"/>
               </a:rPr>
               <a:t>D</a:t>
             </a:r>
             <a:r>
-              <a:rPr lang="en-US" sz="2400" b="1" u="sng">
+              <a:rPr lang="en-US" sz="2400" b="1" u="sng" dirty="0">
                 <a:latin typeface="+mn-ea"/>
                 <a:cs typeface="+mn-ea"/>
               </a:rPr>
               <a:t>          </a:t>
             </a:r>
             <a:r>
-              <a:rPr lang="zh-CN" altLang="en-US" sz="2400" b="1">
+              <a:rPr lang="zh-CN" altLang="en-US" sz="2400" b="1" dirty="0">
                 <a:latin typeface="+mn-ea"/>
                 <a:cs typeface="+mn-ea"/>
               </a:rPr>
               <a:t>等</a:t>
             </a:r>
             <a:r>
-              <a:rPr lang="zh-CN" sz="2400" b="1">
+              <a:rPr lang="zh-CN" sz="2400" b="1" dirty="0">
                 <a:latin typeface="+mn-ea"/>
                 <a:cs typeface="+mn-ea"/>
               </a:rPr>
               <a:t>国家隔海相望。</a:t>
             </a:r>
-            <a:endParaRPr lang="zh-CN" altLang="en-US" sz="2400" b="1">
+            <a:endParaRPr lang="zh-CN" altLang="en-US" sz="2400" b="1" dirty="0">
               <a:latin typeface="+mn-ea"/>
               <a:cs typeface="+mn-ea"/>
             </a:endParaRPr>
@@ -10604,7 +10665,7 @@
         </p:nvSpPr>
         <p:spPr>
           <a:xfrm>
-            <a:off x="3326130" y="1394460"/>
+            <a:off x="3254027" y="1404003"/>
             <a:ext cx="1402080" cy="460375"/>
           </a:xfrm>
           <a:prstGeom prst="rect">
@@ -10620,7 +10681,7 @@
           <a:p>
             <a:pPr algn="l"/>
             <a:r>
-              <a:rPr lang="zh-CN" sz="2400" b="1">
+              <a:rPr lang="zh-CN" sz="2400" b="1" dirty="0">
                 <a:solidFill>
                   <a:srgbClr val="FF0000"/>
                 </a:solidFill>
@@ -10631,7 +10692,7 @@
               <a:t>北海道岛</a:t>
             </a:r>
             <a:r>
-              <a:rPr lang="en-US" sz="2400" b="1">
+              <a:rPr lang="en-US" sz="2400" b="1" dirty="0">
                 <a:solidFill>
                   <a:srgbClr val="FF0000"/>
                 </a:solidFill>
@@ -10641,7 +10702,7 @@
               </a:rPr>
               <a:t> </a:t>
             </a:r>
-            <a:endParaRPr lang="en-US" altLang="en-US" sz="2400" b="1">
+            <a:endParaRPr lang="en-US" altLang="en-US" sz="2400" b="1" dirty="0">
               <a:solidFill>
                 <a:srgbClr val="FF0000"/>
               </a:solidFill>
@@ -10660,7 +10721,7 @@
         </p:nvSpPr>
         <p:spPr>
           <a:xfrm>
-            <a:off x="5229860" y="1394460"/>
+            <a:off x="5186362" y="1460500"/>
             <a:ext cx="1097280" cy="460375"/>
           </a:xfrm>
           <a:prstGeom prst="rect">
@@ -10676,7 +10737,7 @@
           <a:p>
             <a:pPr algn="l"/>
             <a:r>
-              <a:rPr lang="zh-CN" sz="2400" b="1">
+              <a:rPr lang="zh-CN" sz="2400" b="1" dirty="0">
                 <a:solidFill>
                   <a:srgbClr val="FF0000"/>
                 </a:solidFill>
@@ -10686,7 +10747,7 @@
               </a:rPr>
               <a:t>本州岛</a:t>
             </a:r>
-            <a:endParaRPr lang="zh-CN" altLang="en-US" sz="2400" b="1">
+            <a:endParaRPr lang="zh-CN" altLang="en-US" sz="2400" b="1" dirty="0">
               <a:solidFill>
                 <a:srgbClr val="FF0000"/>
               </a:solidFill>
@@ -10750,7 +10811,7 @@
         </p:nvSpPr>
         <p:spPr>
           <a:xfrm>
-            <a:off x="4902200" y="1854835"/>
+            <a:off x="4728210" y="1864378"/>
             <a:ext cx="1097280" cy="460375"/>
           </a:xfrm>
           <a:prstGeom prst="rect">
@@ -10766,7 +10827,7 @@
           <a:p>
             <a:pPr algn="l"/>
             <a:r>
-              <a:rPr lang="zh-CN" sz="2400" b="1">
+              <a:rPr lang="zh-CN" sz="2400" b="1" dirty="0">
                 <a:solidFill>
                   <a:srgbClr val="FF0000"/>
                 </a:solidFill>
@@ -10776,7 +10837,7 @@
               </a:rPr>
               <a:t>四国岛</a:t>
             </a:r>
-            <a:endParaRPr lang="zh-CN" altLang="en-US" sz="2400" b="1">
+            <a:endParaRPr lang="zh-CN" altLang="en-US" sz="2400" b="1" dirty="0">
               <a:solidFill>
                 <a:srgbClr val="FF0000"/>
               </a:solidFill>
@@ -10795,7 +10856,7 @@
         </p:nvSpPr>
         <p:spPr>
           <a:xfrm>
-            <a:off x="1320800" y="2315210"/>
+            <a:off x="1293023" y="2315210"/>
             <a:ext cx="1097280" cy="460375"/>
           </a:xfrm>
           <a:prstGeom prst="rect">
@@ -10811,7 +10872,7 @@
           <a:p>
             <a:pPr algn="l"/>
             <a:r>
-              <a:rPr lang="zh-CN" sz="2400" b="1">
+              <a:rPr lang="zh-CN" sz="2400" b="1" dirty="0">
                 <a:solidFill>
                   <a:srgbClr val="FF0000"/>
                 </a:solidFill>
@@ -10822,14 +10883,14 @@
               <a:t>九州岛</a:t>
             </a:r>
             <a:r>
-              <a:rPr lang="en-US" sz="2400" b="1">
+              <a:rPr lang="en-US" sz="2400" b="1" dirty="0">
                 <a:latin typeface="+mn-ea"/>
                 <a:cs typeface="+mn-ea"/>
                 <a:sym typeface="+mn-ea"/>
               </a:rPr>
               <a:t>  </a:t>
             </a:r>
-            <a:endParaRPr lang="zh-CN" altLang="en-US" sz="2400" b="1">
+            <a:endParaRPr lang="zh-CN" altLang="en-US" sz="2400" b="1" dirty="0">
               <a:latin typeface="+mn-ea"/>
               <a:cs typeface="+mn-ea"/>
             </a:endParaRPr>
@@ -10844,7 +10905,7 @@
         </p:nvSpPr>
         <p:spPr>
           <a:xfrm>
-            <a:off x="838200" y="4162425"/>
+            <a:off x="1015753" y="4163079"/>
             <a:ext cx="1097280" cy="460375"/>
           </a:xfrm>
           <a:prstGeom prst="rect">
@@ -10860,7 +10921,7 @@
           <a:p>
             <a:pPr algn="l"/>
             <a:r>
-              <a:rPr lang="zh-CN" sz="2400" b="1">
+              <a:rPr lang="zh-CN" sz="2400" b="1" dirty="0">
                 <a:solidFill>
                   <a:srgbClr val="FF0000"/>
                 </a:solidFill>
@@ -10870,7 +10931,7 @@
               </a:rPr>
               <a:t>北温带</a:t>
             </a:r>
-            <a:endParaRPr lang="zh-CN" altLang="en-US" sz="2400" b="1">
+            <a:endParaRPr lang="zh-CN" altLang="en-US" sz="2400" b="1" dirty="0">
               <a:solidFill>
                 <a:srgbClr val="FF0000"/>
               </a:solidFill>
